--- a/Лекция 0/Лекция 0. Вводная.pptx
+++ b/Лекция 0/Лекция 0. Вводная.pptx
@@ -4,6 +4,9 @@
   <p:sldMasterIdLst>
     <p:sldMasterId id="2147483684" r:id="rId1"/>
   </p:sldMasterIdLst>
+  <p:notesMasterIdLst>
+    <p:notesMasterId r:id="rId19"/>
+  </p:notesMasterIdLst>
   <p:sldIdLst>
     <p:sldId id="256" r:id="rId2"/>
     <p:sldId id="257" r:id="rId3"/>
@@ -11,13 +14,17 @@
     <p:sldId id="259" r:id="rId5"/>
     <p:sldId id="260" r:id="rId6"/>
     <p:sldId id="261" r:id="rId7"/>
-    <p:sldId id="262" r:id="rId8"/>
-    <p:sldId id="266" r:id="rId9"/>
-    <p:sldId id="263" r:id="rId10"/>
-    <p:sldId id="264" r:id="rId11"/>
-    <p:sldId id="265" r:id="rId12"/>
-    <p:sldId id="267" r:id="rId13"/>
-    <p:sldId id="268" r:id="rId14"/>
+    <p:sldId id="270" r:id="rId8"/>
+    <p:sldId id="262" r:id="rId9"/>
+    <p:sldId id="269" r:id="rId10"/>
+    <p:sldId id="271" r:id="rId11"/>
+    <p:sldId id="272" r:id="rId12"/>
+    <p:sldId id="266" r:id="rId13"/>
+    <p:sldId id="263" r:id="rId14"/>
+    <p:sldId id="264" r:id="rId15"/>
+    <p:sldId id="265" r:id="rId16"/>
+    <p:sldId id="267" r:id="rId17"/>
+    <p:sldId id="268" r:id="rId18"/>
   </p:sldIdLst>
   <p:sldSz cx="12192000" cy="6858000"/>
   <p:notesSz cx="6858000" cy="9144000"/>
@@ -127,7 +134,11 @@
             <p14:sldId id="259"/>
             <p14:sldId id="260"/>
             <p14:sldId id="261"/>
+            <p14:sldId id="270"/>
             <p14:sldId id="262"/>
+            <p14:sldId id="269"/>
+            <p14:sldId id="271"/>
+            <p14:sldId id="272"/>
             <p14:sldId id="266"/>
             <p14:sldId id="263"/>
             <p14:sldId id="264"/>
@@ -138,6 +149,9 @@
         </p14:section>
       </p14:sectionLst>
     </p:ext>
+    <p:ext uri="{EFAFB233-063F-42B5-8137-9DF3F51BA10A}">
+      <p15:sldGuideLst xmlns:p15="http://schemas.microsoft.com/office/powerpoint/2012/main"/>
+    </p:ext>
   </p:extLst>
 </p:presentation>
 </file>
@@ -145,7 +159,7 @@
 <file path=ppt/charts/chart1.xml><?xml version="1.0" encoding="utf-8"?>
 <c:chartSpace xmlns:c="http://schemas.openxmlformats.org/drawingml/2006/chart" xmlns:a="http://schemas.openxmlformats.org/drawingml/2006/main" xmlns:r="http://schemas.openxmlformats.org/officeDocument/2006/relationships" xmlns:c16r2="http://schemas.microsoft.com/office/drawing/2015/06/chart">
   <c:date1904 val="0"/>
-  <c:lang val="en-US"/>
+  <c:lang val="en-GB"/>
   <c:roundedCorners val="0"/>
   <mc:AlternateContent xmlns:mc="http://schemas.openxmlformats.org/markup-compatibility/2006">
     <mc:Choice xmlns:c14="http://schemas.microsoft.com/office/drawing/2007/8/2/chart" Requires="c14">
@@ -390,6 +404,440 @@
 </c:chartSpace>
 </file>
 
+<file path=ppt/notesMasters/notesMaster1.xml><?xml version="1.0" encoding="utf-8"?>
+<p:notesMaster xmlns:a="http://schemas.openxmlformats.org/drawingml/2006/main" xmlns:r="http://schemas.openxmlformats.org/officeDocument/2006/relationships" xmlns:p="http://schemas.openxmlformats.org/presentationml/2006/main">
+  <p:cSld>
+    <p:bg>
+      <p:bgRef idx="1001">
+        <a:schemeClr val="bg1"/>
+      </p:bgRef>
+    </p:bg>
+    <p:spTree>
+      <p:nvGrpSpPr>
+        <p:cNvPr id="1" name=""/>
+        <p:cNvGrpSpPr/>
+        <p:nvPr/>
+      </p:nvGrpSpPr>
+      <p:grpSpPr>
+        <a:xfrm>
+          <a:off x="0" y="0"/>
+          <a:ext cx="0" cy="0"/>
+          <a:chOff x="0" y="0"/>
+          <a:chExt cx="0" cy="0"/>
+        </a:xfrm>
+      </p:grpSpPr>
+      <p:sp>
+        <p:nvSpPr>
+          <p:cNvPr id="2" name="Header Placeholder 1"/>
+          <p:cNvSpPr>
+            <a:spLocks noGrp="1"/>
+          </p:cNvSpPr>
+          <p:nvPr>
+            <p:ph type="hdr" sz="quarter"/>
+          </p:nvPr>
+        </p:nvSpPr>
+        <p:spPr>
+          <a:xfrm>
+            <a:off x="0" y="0"/>
+            <a:ext cx="2971800" cy="458788"/>
+          </a:xfrm>
+          <a:prstGeom prst="rect">
+            <a:avLst/>
+          </a:prstGeom>
+        </p:spPr>
+        <p:txBody>
+          <a:bodyPr vert="horz" lIns="91440" tIns="45720" rIns="91440" bIns="45720" rtlCol="0"/>
+          <a:lstStyle>
+            <a:lvl1pPr algn="l">
+              <a:defRPr sz="1200"/>
+            </a:lvl1pPr>
+          </a:lstStyle>
+          <a:p>
+            <a:endParaRPr lang="en-RU"/>
+          </a:p>
+        </p:txBody>
+      </p:sp>
+      <p:sp>
+        <p:nvSpPr>
+          <p:cNvPr id="3" name="Date Placeholder 2"/>
+          <p:cNvSpPr>
+            <a:spLocks noGrp="1"/>
+          </p:cNvSpPr>
+          <p:nvPr>
+            <p:ph type="dt" idx="1"/>
+          </p:nvPr>
+        </p:nvSpPr>
+        <p:spPr>
+          <a:xfrm>
+            <a:off x="3884613" y="0"/>
+            <a:ext cx="2971800" cy="458788"/>
+          </a:xfrm>
+          <a:prstGeom prst="rect">
+            <a:avLst/>
+          </a:prstGeom>
+        </p:spPr>
+        <p:txBody>
+          <a:bodyPr vert="horz" lIns="91440" tIns="45720" rIns="91440" bIns="45720" rtlCol="0"/>
+          <a:lstStyle>
+            <a:lvl1pPr algn="r">
+              <a:defRPr sz="1200"/>
+            </a:lvl1pPr>
+          </a:lstStyle>
+          <a:p>
+            <a:fld id="{0FD707A7-95F4-2547-A832-43587E3119E8}" type="datetimeFigureOut">
+              <a:rPr lang="en-RU" smtClean="0"/>
+              <a:t>12.02.2021</a:t>
+            </a:fld>
+            <a:endParaRPr lang="en-RU"/>
+          </a:p>
+        </p:txBody>
+      </p:sp>
+      <p:sp>
+        <p:nvSpPr>
+          <p:cNvPr id="4" name="Slide Image Placeholder 3"/>
+          <p:cNvSpPr>
+            <a:spLocks noGrp="1" noRot="1" noChangeAspect="1"/>
+          </p:cNvSpPr>
+          <p:nvPr>
+            <p:ph type="sldImg" idx="2"/>
+          </p:nvPr>
+        </p:nvSpPr>
+        <p:spPr>
+          <a:xfrm>
+            <a:off x="685800" y="1143000"/>
+            <a:ext cx="5486400" cy="3086100"/>
+          </a:xfrm>
+          <a:prstGeom prst="rect">
+            <a:avLst/>
+          </a:prstGeom>
+          <a:noFill/>
+          <a:ln w="12700">
+            <a:solidFill>
+              <a:prstClr val="black"/>
+            </a:solidFill>
+          </a:ln>
+        </p:spPr>
+        <p:txBody>
+          <a:bodyPr vert="horz" lIns="91440" tIns="45720" rIns="91440" bIns="45720" rtlCol="0" anchor="ctr"/>
+          <a:lstStyle/>
+          <a:p>
+            <a:endParaRPr lang="en-RU"/>
+          </a:p>
+        </p:txBody>
+      </p:sp>
+      <p:sp>
+        <p:nvSpPr>
+          <p:cNvPr id="5" name="Notes Placeholder 4"/>
+          <p:cNvSpPr>
+            <a:spLocks noGrp="1"/>
+          </p:cNvSpPr>
+          <p:nvPr>
+            <p:ph type="body" sz="quarter" idx="3"/>
+          </p:nvPr>
+        </p:nvSpPr>
+        <p:spPr>
+          <a:xfrm>
+            <a:off x="685800" y="4400550"/>
+            <a:ext cx="5486400" cy="3600450"/>
+          </a:xfrm>
+          <a:prstGeom prst="rect">
+            <a:avLst/>
+          </a:prstGeom>
+        </p:spPr>
+        <p:txBody>
+          <a:bodyPr vert="horz" lIns="91440" tIns="45720" rIns="91440" bIns="45720" rtlCol="0"/>
+          <a:lstStyle/>
+          <a:p>
+            <a:pPr lvl="0"/>
+            <a:r>
+              <a:rPr lang="en-GB"/>
+              <a:t>Click to edit Master text styles</a:t>
+            </a:r>
+          </a:p>
+          <a:p>
+            <a:pPr lvl="1"/>
+            <a:r>
+              <a:rPr lang="en-GB"/>
+              <a:t>Second level</a:t>
+            </a:r>
+          </a:p>
+          <a:p>
+            <a:pPr lvl="2"/>
+            <a:r>
+              <a:rPr lang="en-GB"/>
+              <a:t>Third level</a:t>
+            </a:r>
+          </a:p>
+          <a:p>
+            <a:pPr lvl="3"/>
+            <a:r>
+              <a:rPr lang="en-GB"/>
+              <a:t>Fourth level</a:t>
+            </a:r>
+          </a:p>
+          <a:p>
+            <a:pPr lvl="4"/>
+            <a:r>
+              <a:rPr lang="en-GB"/>
+              <a:t>Fifth level</a:t>
+            </a:r>
+            <a:endParaRPr lang="en-RU"/>
+          </a:p>
+        </p:txBody>
+      </p:sp>
+      <p:sp>
+        <p:nvSpPr>
+          <p:cNvPr id="6" name="Footer Placeholder 5"/>
+          <p:cNvSpPr>
+            <a:spLocks noGrp="1"/>
+          </p:cNvSpPr>
+          <p:nvPr>
+            <p:ph type="ftr" sz="quarter" idx="4"/>
+          </p:nvPr>
+        </p:nvSpPr>
+        <p:spPr>
+          <a:xfrm>
+            <a:off x="0" y="8685213"/>
+            <a:ext cx="2971800" cy="458787"/>
+          </a:xfrm>
+          <a:prstGeom prst="rect">
+            <a:avLst/>
+          </a:prstGeom>
+        </p:spPr>
+        <p:txBody>
+          <a:bodyPr vert="horz" lIns="91440" tIns="45720" rIns="91440" bIns="45720" rtlCol="0" anchor="b"/>
+          <a:lstStyle>
+            <a:lvl1pPr algn="l">
+              <a:defRPr sz="1200"/>
+            </a:lvl1pPr>
+          </a:lstStyle>
+          <a:p>
+            <a:endParaRPr lang="en-RU"/>
+          </a:p>
+        </p:txBody>
+      </p:sp>
+      <p:sp>
+        <p:nvSpPr>
+          <p:cNvPr id="7" name="Slide Number Placeholder 6"/>
+          <p:cNvSpPr>
+            <a:spLocks noGrp="1"/>
+          </p:cNvSpPr>
+          <p:nvPr>
+            <p:ph type="sldNum" sz="quarter" idx="5"/>
+          </p:nvPr>
+        </p:nvSpPr>
+        <p:spPr>
+          <a:xfrm>
+            <a:off x="3884613" y="8685213"/>
+            <a:ext cx="2971800" cy="458787"/>
+          </a:xfrm>
+          <a:prstGeom prst="rect">
+            <a:avLst/>
+          </a:prstGeom>
+        </p:spPr>
+        <p:txBody>
+          <a:bodyPr vert="horz" lIns="91440" tIns="45720" rIns="91440" bIns="45720" rtlCol="0" anchor="b"/>
+          <a:lstStyle>
+            <a:lvl1pPr algn="r">
+              <a:defRPr sz="1200"/>
+            </a:lvl1pPr>
+          </a:lstStyle>
+          <a:p>
+            <a:fld id="{49E8C5DC-9F8D-874A-AF9E-3981A5154F86}" type="slidenum">
+              <a:rPr lang="en-RU" smtClean="0"/>
+              <a:t>‹#›</a:t>
+            </a:fld>
+            <a:endParaRPr lang="en-RU"/>
+          </a:p>
+        </p:txBody>
+      </p:sp>
+    </p:spTree>
+    <p:extLst>
+      <p:ext uri="{BB962C8B-B14F-4D97-AF65-F5344CB8AC3E}">
+        <p14:creationId xmlns:p14="http://schemas.microsoft.com/office/powerpoint/2010/main" val="101541149"/>
+      </p:ext>
+    </p:extLst>
+  </p:cSld>
+  <p:clrMap bg1="lt1" tx1="dk1" bg2="lt2" tx2="dk2" accent1="accent1" accent2="accent2" accent3="accent3" accent4="accent4" accent5="accent5" accent6="accent6" hlink="hlink" folHlink="folHlink"/>
+  <p:notesStyle>
+    <a:lvl1pPr marL="0" algn="l" defTabSz="914400" rtl="0" eaLnBrk="1" latinLnBrk="0" hangingPunct="1">
+      <a:defRPr sz="1200" kern="1200">
+        <a:solidFill>
+          <a:schemeClr val="tx1"/>
+        </a:solidFill>
+        <a:latin typeface="+mn-lt"/>
+        <a:ea typeface="+mn-ea"/>
+        <a:cs typeface="+mn-cs"/>
+      </a:defRPr>
+    </a:lvl1pPr>
+    <a:lvl2pPr marL="457200" algn="l" defTabSz="914400" rtl="0" eaLnBrk="1" latinLnBrk="0" hangingPunct="1">
+      <a:defRPr sz="1200" kern="1200">
+        <a:solidFill>
+          <a:schemeClr val="tx1"/>
+        </a:solidFill>
+        <a:latin typeface="+mn-lt"/>
+        <a:ea typeface="+mn-ea"/>
+        <a:cs typeface="+mn-cs"/>
+      </a:defRPr>
+    </a:lvl2pPr>
+    <a:lvl3pPr marL="914400" algn="l" defTabSz="914400" rtl="0" eaLnBrk="1" latinLnBrk="0" hangingPunct="1">
+      <a:defRPr sz="1200" kern="1200">
+        <a:solidFill>
+          <a:schemeClr val="tx1"/>
+        </a:solidFill>
+        <a:latin typeface="+mn-lt"/>
+        <a:ea typeface="+mn-ea"/>
+        <a:cs typeface="+mn-cs"/>
+      </a:defRPr>
+    </a:lvl3pPr>
+    <a:lvl4pPr marL="1371600" algn="l" defTabSz="914400" rtl="0" eaLnBrk="1" latinLnBrk="0" hangingPunct="1">
+      <a:defRPr sz="1200" kern="1200">
+        <a:solidFill>
+          <a:schemeClr val="tx1"/>
+        </a:solidFill>
+        <a:latin typeface="+mn-lt"/>
+        <a:ea typeface="+mn-ea"/>
+        <a:cs typeface="+mn-cs"/>
+      </a:defRPr>
+    </a:lvl4pPr>
+    <a:lvl5pPr marL="1828800" algn="l" defTabSz="914400" rtl="0" eaLnBrk="1" latinLnBrk="0" hangingPunct="1">
+      <a:defRPr sz="1200" kern="1200">
+        <a:solidFill>
+          <a:schemeClr val="tx1"/>
+        </a:solidFill>
+        <a:latin typeface="+mn-lt"/>
+        <a:ea typeface="+mn-ea"/>
+        <a:cs typeface="+mn-cs"/>
+      </a:defRPr>
+    </a:lvl5pPr>
+    <a:lvl6pPr marL="2286000" algn="l" defTabSz="914400" rtl="0" eaLnBrk="1" latinLnBrk="0" hangingPunct="1">
+      <a:defRPr sz="1200" kern="1200">
+        <a:solidFill>
+          <a:schemeClr val="tx1"/>
+        </a:solidFill>
+        <a:latin typeface="+mn-lt"/>
+        <a:ea typeface="+mn-ea"/>
+        <a:cs typeface="+mn-cs"/>
+      </a:defRPr>
+    </a:lvl6pPr>
+    <a:lvl7pPr marL="2743200" algn="l" defTabSz="914400" rtl="0" eaLnBrk="1" latinLnBrk="0" hangingPunct="1">
+      <a:defRPr sz="1200" kern="1200">
+        <a:solidFill>
+          <a:schemeClr val="tx1"/>
+        </a:solidFill>
+        <a:latin typeface="+mn-lt"/>
+        <a:ea typeface="+mn-ea"/>
+        <a:cs typeface="+mn-cs"/>
+      </a:defRPr>
+    </a:lvl7pPr>
+    <a:lvl8pPr marL="3200400" algn="l" defTabSz="914400" rtl="0" eaLnBrk="1" latinLnBrk="0" hangingPunct="1">
+      <a:defRPr sz="1200" kern="1200">
+        <a:solidFill>
+          <a:schemeClr val="tx1"/>
+        </a:solidFill>
+        <a:latin typeface="+mn-lt"/>
+        <a:ea typeface="+mn-ea"/>
+        <a:cs typeface="+mn-cs"/>
+      </a:defRPr>
+    </a:lvl8pPr>
+    <a:lvl9pPr marL="3657600" algn="l" defTabSz="914400" rtl="0" eaLnBrk="1" latinLnBrk="0" hangingPunct="1">
+      <a:defRPr sz="1200" kern="1200">
+        <a:solidFill>
+          <a:schemeClr val="tx1"/>
+        </a:solidFill>
+        <a:latin typeface="+mn-lt"/>
+        <a:ea typeface="+mn-ea"/>
+        <a:cs typeface="+mn-cs"/>
+      </a:defRPr>
+    </a:lvl9pPr>
+  </p:notesStyle>
+</p:notesMaster>
+</file>
+
+<file path=ppt/notesSlides/notesSlide1.xml><?xml version="1.0" encoding="utf-8"?>
+<p:notes xmlns:a="http://schemas.openxmlformats.org/drawingml/2006/main" xmlns:r="http://schemas.openxmlformats.org/officeDocument/2006/relationships" xmlns:p="http://schemas.openxmlformats.org/presentationml/2006/main">
+  <p:cSld>
+    <p:spTree>
+      <p:nvGrpSpPr>
+        <p:cNvPr id="1" name=""/>
+        <p:cNvGrpSpPr/>
+        <p:nvPr/>
+      </p:nvGrpSpPr>
+      <p:grpSpPr>
+        <a:xfrm>
+          <a:off x="0" y="0"/>
+          <a:ext cx="0" cy="0"/>
+          <a:chOff x="0" y="0"/>
+          <a:chExt cx="0" cy="0"/>
+        </a:xfrm>
+      </p:grpSpPr>
+      <p:sp>
+        <p:nvSpPr>
+          <p:cNvPr id="2" name="Slide Image Placeholder 1"/>
+          <p:cNvSpPr>
+            <a:spLocks noGrp="1" noRot="1" noChangeAspect="1"/>
+          </p:cNvSpPr>
+          <p:nvPr>
+            <p:ph type="sldImg"/>
+          </p:nvPr>
+        </p:nvSpPr>
+        <p:spPr/>
+      </p:sp>
+      <p:sp>
+        <p:nvSpPr>
+          <p:cNvPr id="3" name="Notes Placeholder 2"/>
+          <p:cNvSpPr>
+            <a:spLocks noGrp="1"/>
+          </p:cNvSpPr>
+          <p:nvPr>
+            <p:ph type="body" idx="1"/>
+          </p:nvPr>
+        </p:nvSpPr>
+        <p:spPr/>
+        <p:txBody>
+          <a:bodyPr/>
+          <a:lstStyle/>
+          <a:p>
+            <a:endParaRPr lang="en-RU" dirty="0"/>
+          </a:p>
+        </p:txBody>
+      </p:sp>
+      <p:sp>
+        <p:nvSpPr>
+          <p:cNvPr id="4" name="Slide Number Placeholder 3"/>
+          <p:cNvSpPr>
+            <a:spLocks noGrp="1"/>
+          </p:cNvSpPr>
+          <p:nvPr>
+            <p:ph type="sldNum" sz="quarter" idx="5"/>
+          </p:nvPr>
+        </p:nvSpPr>
+        <p:spPr/>
+        <p:txBody>
+          <a:bodyPr/>
+          <a:lstStyle/>
+          <a:p>
+            <a:fld id="{49E8C5DC-9F8D-874A-AF9E-3981A5154F86}" type="slidenum">
+              <a:rPr lang="en-RU" smtClean="0"/>
+              <a:t>15</a:t>
+            </a:fld>
+            <a:endParaRPr lang="en-RU"/>
+          </a:p>
+        </p:txBody>
+      </p:sp>
+    </p:spTree>
+    <p:extLst>
+      <p:ext uri="{BB962C8B-B14F-4D97-AF65-F5344CB8AC3E}">
+        <p14:creationId xmlns:p14="http://schemas.microsoft.com/office/powerpoint/2010/main" val="2461669752"/>
+      </p:ext>
+    </p:extLst>
+  </p:cSld>
+  <p:clrMapOvr>
+    <a:masterClrMapping/>
+  </p:clrMapOvr>
+</p:notes>
+</file>
+
 <file path=ppt/slideLayouts/slideLayout1.xml><?xml version="1.0" encoding="utf-8"?>
 <p:sldLayout xmlns:a="http://schemas.openxmlformats.org/drawingml/2006/main" xmlns:r="http://schemas.openxmlformats.org/officeDocument/2006/relationships" xmlns:p="http://schemas.openxmlformats.org/presentationml/2006/main" type="title" preserve="1">
   <p:cSld name="Title Slide">
@@ -521,7 +969,7 @@
           <a:p>
             <a:fld id="{C2BCA813-D132-4243-A206-1755D7169695}" type="datetimeFigureOut">
               <a:rPr lang="ru-RU" smtClean="0"/>
-              <a:t>14.02.2020</a:t>
+              <a:t>12.02.2021</a:t>
             </a:fld>
             <a:endParaRPr lang="ru-RU"/>
           </a:p>
@@ -691,7 +1139,7 @@
           <a:p>
             <a:fld id="{C2BCA813-D132-4243-A206-1755D7169695}" type="datetimeFigureOut">
               <a:rPr lang="ru-RU" smtClean="0"/>
-              <a:t>14.02.2020</a:t>
+              <a:t>12.02.2021</a:t>
             </a:fld>
             <a:endParaRPr lang="ru-RU"/>
           </a:p>
@@ -871,7 +1319,7 @@
           <a:p>
             <a:fld id="{C2BCA813-D132-4243-A206-1755D7169695}" type="datetimeFigureOut">
               <a:rPr lang="ru-RU" smtClean="0"/>
-              <a:t>14.02.2020</a:t>
+              <a:t>12.02.2021</a:t>
             </a:fld>
             <a:endParaRPr lang="ru-RU"/>
           </a:p>
@@ -1041,7 +1489,7 @@
           <a:p>
             <a:fld id="{C2BCA813-D132-4243-A206-1755D7169695}" type="datetimeFigureOut">
               <a:rPr lang="ru-RU" smtClean="0"/>
-              <a:t>14.02.2020</a:t>
+              <a:t>12.02.2021</a:t>
             </a:fld>
             <a:endParaRPr lang="ru-RU"/>
           </a:p>
@@ -1287,7 +1735,7 @@
           <a:p>
             <a:fld id="{C2BCA813-D132-4243-A206-1755D7169695}" type="datetimeFigureOut">
               <a:rPr lang="ru-RU" smtClean="0"/>
-              <a:t>14.02.2020</a:t>
+              <a:t>12.02.2021</a:t>
             </a:fld>
             <a:endParaRPr lang="ru-RU"/>
           </a:p>
@@ -1519,7 +1967,7 @@
           <a:p>
             <a:fld id="{C2BCA813-D132-4243-A206-1755D7169695}" type="datetimeFigureOut">
               <a:rPr lang="ru-RU" smtClean="0"/>
-              <a:t>14.02.2020</a:t>
+              <a:t>12.02.2021</a:t>
             </a:fld>
             <a:endParaRPr lang="ru-RU"/>
           </a:p>
@@ -1886,7 +2334,7 @@
           <a:p>
             <a:fld id="{C2BCA813-D132-4243-A206-1755D7169695}" type="datetimeFigureOut">
               <a:rPr lang="ru-RU" smtClean="0"/>
-              <a:t>14.02.2020</a:t>
+              <a:t>12.02.2021</a:t>
             </a:fld>
             <a:endParaRPr lang="ru-RU"/>
           </a:p>
@@ -2004,7 +2452,7 @@
           <a:p>
             <a:fld id="{C2BCA813-D132-4243-A206-1755D7169695}" type="datetimeFigureOut">
               <a:rPr lang="ru-RU" smtClean="0"/>
-              <a:t>14.02.2020</a:t>
+              <a:t>12.02.2021</a:t>
             </a:fld>
             <a:endParaRPr lang="ru-RU"/>
           </a:p>
@@ -2099,7 +2547,7 @@
           <a:p>
             <a:fld id="{C2BCA813-D132-4243-A206-1755D7169695}" type="datetimeFigureOut">
               <a:rPr lang="ru-RU" smtClean="0"/>
-              <a:t>14.02.2020</a:t>
+              <a:t>12.02.2021</a:t>
             </a:fld>
             <a:endParaRPr lang="ru-RU"/>
           </a:p>
@@ -2376,7 +2824,7 @@
           <a:p>
             <a:fld id="{C2BCA813-D132-4243-A206-1755D7169695}" type="datetimeFigureOut">
               <a:rPr lang="ru-RU" smtClean="0"/>
-              <a:t>14.02.2020</a:t>
+              <a:t>12.02.2021</a:t>
             </a:fld>
             <a:endParaRPr lang="ru-RU"/>
           </a:p>
@@ -2633,7 +3081,7 @@
           <a:p>
             <a:fld id="{C2BCA813-D132-4243-A206-1755D7169695}" type="datetimeFigureOut">
               <a:rPr lang="ru-RU" smtClean="0"/>
-              <a:t>14.02.2020</a:t>
+              <a:t>12.02.2021</a:t>
             </a:fld>
             <a:endParaRPr lang="ru-RU"/>
           </a:p>
@@ -2846,7 +3294,7 @@
           <a:p>
             <a:fld id="{C2BCA813-D132-4243-A206-1755D7169695}" type="datetimeFigureOut">
               <a:rPr lang="ru-RU" smtClean="0"/>
-              <a:t>14.02.2020</a:t>
+              <a:t>12.02.2021</a:t>
             </a:fld>
             <a:endParaRPr lang="ru-RU"/>
           </a:p>
@@ -3342,6 +3790,737 @@
           <p:cNvPr id="2" name="Title 1">
             <a:extLst>
               <a:ext uri="{FF2B5EF4-FFF2-40B4-BE49-F238E27FC236}">
+                <a16:creationId xmlns:a16="http://schemas.microsoft.com/office/drawing/2014/main" id="{45F686A4-AABD-9C4C-8A0E-FAB649F33678}"/>
+              </a:ext>
+            </a:extLst>
+          </p:cNvPr>
+          <p:cNvSpPr>
+            <a:spLocks noGrp="1"/>
+          </p:cNvSpPr>
+          <p:nvPr>
+            <p:ph type="title"/>
+          </p:nvPr>
+        </p:nvSpPr>
+        <p:spPr/>
+        <p:txBody>
+          <a:bodyPr/>
+          <a:lstStyle/>
+          <a:p>
+            <a:r>
+              <a:rPr lang="ru-RU" dirty="0"/>
+              <a:t>Команды</a:t>
+            </a:r>
+            <a:r>
+              <a:rPr lang="en-US" dirty="0"/>
+              <a:t> git</a:t>
+            </a:r>
+            <a:r>
+              <a:rPr lang="ru-RU" dirty="0"/>
+              <a:t>, необходимые в профессиональной работе</a:t>
+            </a:r>
+            <a:endParaRPr lang="en-RU" dirty="0"/>
+          </a:p>
+        </p:txBody>
+      </p:sp>
+      <p:sp>
+        <p:nvSpPr>
+          <p:cNvPr id="3" name="Content Placeholder 2">
+            <a:extLst>
+              <a:ext uri="{FF2B5EF4-FFF2-40B4-BE49-F238E27FC236}">
+                <a16:creationId xmlns:a16="http://schemas.microsoft.com/office/drawing/2014/main" id="{AE2B3EDC-4E81-5044-9E3C-3D679B7139E6}"/>
+              </a:ext>
+            </a:extLst>
+          </p:cNvPr>
+          <p:cNvSpPr>
+            <a:spLocks noGrp="1"/>
+          </p:cNvSpPr>
+          <p:nvPr>
+            <p:ph idx="1"/>
+          </p:nvPr>
+        </p:nvSpPr>
+        <p:spPr/>
+        <p:txBody>
+          <a:bodyPr/>
+          <a:lstStyle/>
+          <a:p>
+            <a:r>
+              <a:rPr lang="en-US" dirty="0"/>
+              <a:t>git commit -m &lt;</a:t>
+            </a:r>
+            <a:r>
+              <a:rPr lang="ru-RU" dirty="0"/>
+              <a:t>комментарий</a:t>
+            </a:r>
+            <a:r>
+              <a:rPr lang="en-US" dirty="0"/>
+              <a:t>&gt; </a:t>
+            </a:r>
+            <a:r>
+              <a:rPr lang="ru-RU" dirty="0"/>
+              <a:t>– поместить изменённый код в локальный </a:t>
+            </a:r>
+            <a:r>
+              <a:rPr lang="ru-RU" dirty="0" err="1"/>
+              <a:t>репозиторий</a:t>
+            </a:r>
+            <a:endParaRPr lang="ru-RU" dirty="0"/>
+          </a:p>
+          <a:p>
+            <a:r>
+              <a:rPr lang="en-US" dirty="0"/>
+              <a:t>git push </a:t>
+            </a:r>
+            <a:r>
+              <a:rPr lang="ru-RU" dirty="0"/>
+              <a:t>– поместить изменения локального </a:t>
+            </a:r>
+            <a:r>
+              <a:rPr lang="ru-RU" dirty="0" err="1"/>
+              <a:t>репозитория</a:t>
+            </a:r>
+            <a:r>
+              <a:rPr lang="ru-RU" dirty="0"/>
+              <a:t> во внешний </a:t>
+            </a:r>
+            <a:r>
+              <a:rPr lang="ru-RU" dirty="0" err="1"/>
+              <a:t>репозиторий</a:t>
+            </a:r>
+            <a:endParaRPr lang="ru-RU" dirty="0"/>
+          </a:p>
+          <a:p>
+            <a:r>
+              <a:rPr lang="en-US" dirty="0"/>
+              <a:t>git checkout -b &lt;</a:t>
+            </a:r>
+            <a:r>
+              <a:rPr lang="ru-RU" dirty="0"/>
+              <a:t>имя ветки</a:t>
+            </a:r>
+            <a:r>
+              <a:rPr lang="en-US" dirty="0"/>
+              <a:t>&gt; </a:t>
+            </a:r>
+            <a:r>
+              <a:rPr lang="ru-RU" dirty="0"/>
+              <a:t>– создать (локально) из текущей ветки новую ветку с заданным именем</a:t>
+            </a:r>
+            <a:endParaRPr lang="en-RU" dirty="0"/>
+          </a:p>
+          <a:p>
+            <a:r>
+              <a:rPr lang="en-RU" dirty="0"/>
+              <a:t>git merge --commit &lt;</a:t>
+            </a:r>
+            <a:r>
+              <a:rPr lang="ru-RU" dirty="0"/>
+              <a:t>имя ветки</a:t>
+            </a:r>
+            <a:r>
+              <a:rPr lang="en-US" dirty="0"/>
+              <a:t>&gt; </a:t>
+            </a:r>
+            <a:r>
+              <a:rPr lang="ru-RU" dirty="0"/>
+              <a:t>–</a:t>
+            </a:r>
+            <a:r>
+              <a:rPr lang="en-RU" dirty="0"/>
+              <a:t> </a:t>
+            </a:r>
+            <a:r>
+              <a:rPr lang="ru-RU" dirty="0"/>
+              <a:t>внести в текущую ветку изменения из указанной ветки, и выполнить операцию включения в историю изменений кода (</a:t>
+            </a:r>
+            <a:r>
+              <a:rPr lang="en-US" dirty="0"/>
+              <a:t>commit).</a:t>
+            </a:r>
+            <a:endParaRPr lang="en-RU" dirty="0"/>
+          </a:p>
+        </p:txBody>
+      </p:sp>
+    </p:spTree>
+    <p:extLst>
+      <p:ext uri="{BB962C8B-B14F-4D97-AF65-F5344CB8AC3E}">
+        <p14:creationId xmlns:p14="http://schemas.microsoft.com/office/powerpoint/2010/main" val="1157503903"/>
+      </p:ext>
+    </p:extLst>
+  </p:cSld>
+  <p:clrMapOvr>
+    <a:masterClrMapping/>
+  </p:clrMapOvr>
+</p:sld>
+</file>
+
+<file path=ppt/slides/slide11.xml><?xml version="1.0" encoding="utf-8"?>
+<p:sld xmlns:a="http://schemas.openxmlformats.org/drawingml/2006/main" xmlns:r="http://schemas.openxmlformats.org/officeDocument/2006/relationships" xmlns:p="http://schemas.openxmlformats.org/presentationml/2006/main">
+  <p:cSld>
+    <p:spTree>
+      <p:nvGrpSpPr>
+        <p:cNvPr id="1" name=""/>
+        <p:cNvGrpSpPr/>
+        <p:nvPr/>
+      </p:nvGrpSpPr>
+      <p:grpSpPr>
+        <a:xfrm>
+          <a:off x="0" y="0"/>
+          <a:ext cx="0" cy="0"/>
+          <a:chOff x="0" y="0"/>
+          <a:chExt cx="0" cy="0"/>
+        </a:xfrm>
+      </p:grpSpPr>
+      <p:sp>
+        <p:nvSpPr>
+          <p:cNvPr id="2" name="Title 1">
+            <a:extLst>
+              <a:ext uri="{FF2B5EF4-FFF2-40B4-BE49-F238E27FC236}">
+                <a16:creationId xmlns:a16="http://schemas.microsoft.com/office/drawing/2014/main" id="{8F84C40D-8657-8340-AA2A-F610A31887AA}"/>
+              </a:ext>
+            </a:extLst>
+          </p:cNvPr>
+          <p:cNvSpPr>
+            <a:spLocks noGrp="1"/>
+          </p:cNvSpPr>
+          <p:nvPr>
+            <p:ph type="title"/>
+          </p:nvPr>
+        </p:nvSpPr>
+        <p:spPr/>
+        <p:txBody>
+          <a:bodyPr/>
+          <a:lstStyle/>
+          <a:p>
+            <a:r>
+              <a:rPr lang="en-RU" dirty="0"/>
+              <a:t>dvc</a:t>
+            </a:r>
+          </a:p>
+        </p:txBody>
+      </p:sp>
+      <p:sp>
+        <p:nvSpPr>
+          <p:cNvPr id="3" name="Content Placeholder 2">
+            <a:extLst>
+              <a:ext uri="{FF2B5EF4-FFF2-40B4-BE49-F238E27FC236}">
+                <a16:creationId xmlns:a16="http://schemas.microsoft.com/office/drawing/2014/main" id="{C2453B48-5017-3840-B4BD-5AB4231239F2}"/>
+              </a:ext>
+            </a:extLst>
+          </p:cNvPr>
+          <p:cNvSpPr>
+            <a:spLocks noGrp="1"/>
+          </p:cNvSpPr>
+          <p:nvPr>
+            <p:ph idx="1"/>
+          </p:nvPr>
+        </p:nvSpPr>
+        <p:spPr/>
+        <p:txBody>
+          <a:bodyPr/>
+          <a:lstStyle/>
+          <a:p>
+            <a:r>
+              <a:rPr lang="ru-RU" dirty="0"/>
+              <a:t>Установка</a:t>
+            </a:r>
+            <a:r>
+              <a:rPr lang="en-US" dirty="0"/>
+              <a:t>: pip install </a:t>
+            </a:r>
+            <a:r>
+              <a:rPr lang="en-US" dirty="0" err="1"/>
+              <a:t>dvc</a:t>
+            </a:r>
+            <a:endParaRPr lang="en-US" dirty="0"/>
+          </a:p>
+          <a:p>
+            <a:r>
+              <a:rPr lang="ru-RU" dirty="0"/>
+              <a:t>Инициализация</a:t>
+            </a:r>
+            <a:r>
+              <a:rPr lang="en-US" dirty="0"/>
+              <a:t>: </a:t>
+            </a:r>
+            <a:r>
+              <a:rPr lang="en-US" dirty="0" err="1"/>
+              <a:t>dvc</a:t>
+            </a:r>
+            <a:r>
+              <a:rPr lang="en-US" dirty="0"/>
+              <a:t> </a:t>
+            </a:r>
+            <a:r>
+              <a:rPr lang="en-US" dirty="0" err="1"/>
+              <a:t>init</a:t>
+            </a:r>
+            <a:endParaRPr lang="en-US" dirty="0"/>
+          </a:p>
+          <a:p>
+            <a:r>
+              <a:rPr lang="ru-RU" dirty="0"/>
+              <a:t>Добавление исходных данных</a:t>
+            </a:r>
+            <a:r>
+              <a:rPr lang="en-US" dirty="0"/>
+              <a:t>:</a:t>
+            </a:r>
+            <a:r>
+              <a:rPr lang="ru-RU" dirty="0"/>
+              <a:t> </a:t>
+            </a:r>
+            <a:r>
+              <a:rPr lang="en-US" dirty="0" err="1"/>
+              <a:t>dvc</a:t>
+            </a:r>
+            <a:r>
+              <a:rPr lang="en-US" dirty="0"/>
+              <a:t> add</a:t>
+            </a:r>
+          </a:p>
+          <a:p>
+            <a:r>
+              <a:rPr lang="ru-RU" dirty="0"/>
+              <a:t>Добавление стадий обработки: </a:t>
+            </a:r>
+            <a:r>
+              <a:rPr lang="en-US" dirty="0" err="1"/>
+              <a:t>dvc</a:t>
+            </a:r>
+            <a:r>
+              <a:rPr lang="en-US" dirty="0"/>
+              <a:t> run –f &lt;</a:t>
+            </a:r>
+            <a:r>
+              <a:rPr lang="ru-RU" dirty="0"/>
+              <a:t>файл описания</a:t>
+            </a:r>
+            <a:r>
+              <a:rPr lang="en-US" dirty="0"/>
+              <a:t>&gt; ….</a:t>
+            </a:r>
+          </a:p>
+          <a:p>
+            <a:r>
+              <a:rPr lang="ru-RU" dirty="0"/>
+              <a:t>Вывод текущих метрик обработки</a:t>
+            </a:r>
+            <a:r>
+              <a:rPr lang="en-US" dirty="0"/>
+              <a:t>:</a:t>
+            </a:r>
+            <a:r>
+              <a:rPr lang="ru-RU" dirty="0"/>
+              <a:t> </a:t>
+            </a:r>
+            <a:r>
+              <a:rPr lang="en-US" dirty="0" err="1"/>
+              <a:t>dvc</a:t>
+            </a:r>
+            <a:r>
+              <a:rPr lang="en-US" dirty="0"/>
+              <a:t> metrics show</a:t>
+            </a:r>
+            <a:endParaRPr lang="ru-RU" dirty="0"/>
+          </a:p>
+          <a:p>
+            <a:r>
+              <a:rPr lang="ru-RU" dirty="0"/>
+              <a:t>Вывод изменений в данных и в коде: </a:t>
+            </a:r>
+            <a:r>
+              <a:rPr lang="en-US" dirty="0" err="1"/>
+              <a:t>dvc</a:t>
+            </a:r>
+            <a:r>
+              <a:rPr lang="en-US" dirty="0"/>
+              <a:t> status</a:t>
+            </a:r>
+            <a:endParaRPr lang="en-RU" dirty="0"/>
+          </a:p>
+          <a:p>
+            <a:r>
+              <a:rPr lang="ru-RU" dirty="0"/>
+              <a:t>Запуск этапов обработки: </a:t>
+            </a:r>
+            <a:r>
+              <a:rPr lang="en-RU" dirty="0"/>
+              <a:t>dvc repro</a:t>
+            </a:r>
+          </a:p>
+          <a:p>
+            <a:r>
+              <a:rPr lang="ru-RU" dirty="0"/>
+              <a:t>Внесение изменившихся результатов в </a:t>
+            </a:r>
+            <a:r>
+              <a:rPr lang="ru-RU" dirty="0" err="1"/>
+              <a:t>репозитарий</a:t>
+            </a:r>
+            <a:r>
+              <a:rPr lang="ru-RU" dirty="0"/>
+              <a:t>: </a:t>
+            </a:r>
+            <a:r>
+              <a:rPr lang="en-US" dirty="0" err="1"/>
+              <a:t>dvc</a:t>
+            </a:r>
+            <a:r>
+              <a:rPr lang="en-US" dirty="0"/>
+              <a:t> commit</a:t>
+            </a:r>
+            <a:endParaRPr lang="ru-RU" dirty="0"/>
+          </a:p>
+        </p:txBody>
+      </p:sp>
+    </p:spTree>
+    <p:extLst>
+      <p:ext uri="{BB962C8B-B14F-4D97-AF65-F5344CB8AC3E}">
+        <p14:creationId xmlns:p14="http://schemas.microsoft.com/office/powerpoint/2010/main" val="2820607944"/>
+      </p:ext>
+    </p:extLst>
+  </p:cSld>
+  <p:clrMapOvr>
+    <a:masterClrMapping/>
+  </p:clrMapOvr>
+</p:sld>
+</file>
+
+<file path=ppt/slides/slide12.xml><?xml version="1.0" encoding="utf-8"?>
+<p:sld xmlns:a="http://schemas.openxmlformats.org/drawingml/2006/main" xmlns:r="http://schemas.openxmlformats.org/officeDocument/2006/relationships" xmlns:p="http://schemas.openxmlformats.org/presentationml/2006/main">
+  <p:cSld>
+    <p:spTree>
+      <p:nvGrpSpPr>
+        <p:cNvPr id="1" name=""/>
+        <p:cNvGrpSpPr/>
+        <p:nvPr/>
+      </p:nvGrpSpPr>
+      <p:grpSpPr>
+        <a:xfrm>
+          <a:off x="0" y="0"/>
+          <a:ext cx="0" cy="0"/>
+          <a:chOff x="0" y="0"/>
+          <a:chExt cx="0" cy="0"/>
+        </a:xfrm>
+      </p:grpSpPr>
+      <p:sp>
+        <p:nvSpPr>
+          <p:cNvPr id="2" name="Title 1">
+            <a:extLst>
+              <a:ext uri="{FF2B5EF4-FFF2-40B4-BE49-F238E27FC236}">
+                <a16:creationId xmlns:a16="http://schemas.microsoft.com/office/drawing/2014/main" id="{F3C77570-6413-AB44-B18E-B01C8CA47EFB}"/>
+              </a:ext>
+            </a:extLst>
+          </p:cNvPr>
+          <p:cNvSpPr>
+            <a:spLocks noGrp="1"/>
+          </p:cNvSpPr>
+          <p:nvPr>
+            <p:ph type="title"/>
+          </p:nvPr>
+        </p:nvSpPr>
+        <p:spPr/>
+        <p:txBody>
+          <a:bodyPr/>
+          <a:lstStyle/>
+          <a:p>
+            <a:r>
+              <a:rPr lang="en-US" dirty="0" err="1"/>
+              <a:t>Dockerfile</a:t>
+            </a:r>
+            <a:endParaRPr lang="ru-RU" dirty="0"/>
+          </a:p>
+        </p:txBody>
+      </p:sp>
+      <p:sp>
+        <p:nvSpPr>
+          <p:cNvPr id="3" name="Content Placeholder 2">
+            <a:extLst>
+              <a:ext uri="{FF2B5EF4-FFF2-40B4-BE49-F238E27FC236}">
+                <a16:creationId xmlns:a16="http://schemas.microsoft.com/office/drawing/2014/main" id="{EBB06C4E-213D-1649-BA60-F766CCF4F540}"/>
+              </a:ext>
+            </a:extLst>
+          </p:cNvPr>
+          <p:cNvSpPr>
+            <a:spLocks noGrp="1"/>
+          </p:cNvSpPr>
+          <p:nvPr>
+            <p:ph idx="1"/>
+          </p:nvPr>
+        </p:nvSpPr>
+        <p:spPr/>
+        <p:txBody>
+          <a:bodyPr/>
+          <a:lstStyle/>
+          <a:p>
+            <a:pPr marL="0" indent="0">
+              <a:buNone/>
+            </a:pPr>
+            <a:r>
+              <a:rPr lang="en-US" i="1" dirty="0">
+                <a:latin typeface="Courier" pitchFamily="2" charset="0"/>
+              </a:rPr>
+              <a:t># Version: 0.0.1</a:t>
+            </a:r>
+            <a:r>
+              <a:rPr lang="en-US" dirty="0">
+                <a:latin typeface="Courier" pitchFamily="2" charset="0"/>
+              </a:rPr>
+              <a:t> </a:t>
+            </a:r>
+          </a:p>
+          <a:p>
+            <a:pPr marL="0" indent="0">
+              <a:buNone/>
+            </a:pPr>
+            <a:r>
+              <a:rPr lang="en-US" dirty="0">
+                <a:latin typeface="Courier" pitchFamily="2" charset="0"/>
+              </a:rPr>
+              <a:t>FROM ubuntu:14.04 </a:t>
+            </a:r>
+          </a:p>
+          <a:p>
+            <a:pPr marL="0" indent="0">
+              <a:buNone/>
+            </a:pPr>
+            <a:r>
+              <a:rPr lang="en-US" dirty="0">
+                <a:latin typeface="Courier" pitchFamily="2" charset="0"/>
+              </a:rPr>
+              <a:t>MAINTAINER Someone&lt;</a:t>
+            </a:r>
+            <a:r>
+              <a:rPr lang="en-US" dirty="0" err="1">
+                <a:latin typeface="Courier" pitchFamily="2" charset="0"/>
+              </a:rPr>
+              <a:t>someone@somewhere.com</a:t>
+            </a:r>
+            <a:r>
+              <a:rPr lang="en-US" dirty="0">
+                <a:latin typeface="Courier" pitchFamily="2" charset="0"/>
+              </a:rPr>
+              <a:t>&gt; </a:t>
+            </a:r>
+          </a:p>
+          <a:p>
+            <a:pPr marL="0" indent="0">
+              <a:buNone/>
+            </a:pPr>
+            <a:r>
+              <a:rPr lang="en-US" dirty="0">
+                <a:latin typeface="Courier" pitchFamily="2" charset="0"/>
+              </a:rPr>
+              <a:t>RUN apt-get update </a:t>
+            </a:r>
+          </a:p>
+          <a:p>
+            <a:pPr marL="0" indent="0">
+              <a:buNone/>
+            </a:pPr>
+            <a:r>
+              <a:rPr lang="en-US" dirty="0">
+                <a:latin typeface="Courier" pitchFamily="2" charset="0"/>
+              </a:rPr>
+              <a:t>RUN apt-get install -y </a:t>
+            </a:r>
+            <a:r>
+              <a:rPr lang="en-US" dirty="0" err="1">
+                <a:latin typeface="Courier" pitchFamily="2" charset="0"/>
+              </a:rPr>
+              <a:t>nginx</a:t>
+            </a:r>
+            <a:endParaRPr lang="en-US" dirty="0">
+              <a:latin typeface="Courier" pitchFamily="2" charset="0"/>
+            </a:endParaRPr>
+          </a:p>
+          <a:p>
+            <a:pPr marL="0" indent="0">
+              <a:buNone/>
+            </a:pPr>
+            <a:r>
+              <a:rPr lang="en-US" dirty="0">
+                <a:latin typeface="Courier" pitchFamily="2" charset="0"/>
+              </a:rPr>
+              <a:t>RUN echo 'Hi, I am in your container’ \ 	&gt;/</a:t>
+            </a:r>
+            <a:r>
+              <a:rPr lang="en-US" dirty="0" err="1">
+                <a:latin typeface="Courier" pitchFamily="2" charset="0"/>
+              </a:rPr>
+              <a:t>usr</a:t>
+            </a:r>
+            <a:r>
+              <a:rPr lang="en-US" dirty="0">
+                <a:latin typeface="Courier" pitchFamily="2" charset="0"/>
+              </a:rPr>
+              <a:t>/share/</a:t>
+            </a:r>
+            <a:r>
+              <a:rPr lang="en-US" dirty="0" err="1">
+                <a:latin typeface="Courier" pitchFamily="2" charset="0"/>
+              </a:rPr>
+              <a:t>nginx</a:t>
+            </a:r>
+            <a:r>
+              <a:rPr lang="en-US" dirty="0">
+                <a:latin typeface="Courier" pitchFamily="2" charset="0"/>
+              </a:rPr>
+              <a:t>/html/</a:t>
+            </a:r>
+            <a:r>
+              <a:rPr lang="en-US" dirty="0" err="1">
+                <a:latin typeface="Courier" pitchFamily="2" charset="0"/>
+              </a:rPr>
+              <a:t>index.html</a:t>
+            </a:r>
+            <a:r>
+              <a:rPr lang="en-US" dirty="0">
+                <a:latin typeface="Courier" pitchFamily="2" charset="0"/>
+              </a:rPr>
+              <a:t> </a:t>
+            </a:r>
+          </a:p>
+          <a:p>
+            <a:pPr marL="0" indent="0">
+              <a:buNone/>
+            </a:pPr>
+            <a:r>
+              <a:rPr lang="en-US" dirty="0">
+                <a:latin typeface="Courier" pitchFamily="2" charset="0"/>
+              </a:rPr>
+              <a:t>EXPOSE 80</a:t>
+            </a:r>
+            <a:endParaRPr lang="ru-RU" dirty="0"/>
+          </a:p>
+        </p:txBody>
+      </p:sp>
+    </p:spTree>
+    <p:extLst>
+      <p:ext uri="{BB962C8B-B14F-4D97-AF65-F5344CB8AC3E}">
+        <p14:creationId xmlns:p14="http://schemas.microsoft.com/office/powerpoint/2010/main" val="2243334518"/>
+      </p:ext>
+    </p:extLst>
+  </p:cSld>
+  <p:clrMapOvr>
+    <a:masterClrMapping/>
+  </p:clrMapOvr>
+</p:sld>
+</file>
+
+<file path=ppt/slides/slide13.xml><?xml version="1.0" encoding="utf-8"?>
+<p:sld xmlns:a="http://schemas.openxmlformats.org/drawingml/2006/main" xmlns:r="http://schemas.openxmlformats.org/officeDocument/2006/relationships" xmlns:p="http://schemas.openxmlformats.org/presentationml/2006/main">
+  <p:cSld>
+    <p:spTree>
+      <p:nvGrpSpPr>
+        <p:cNvPr id="1" name=""/>
+        <p:cNvGrpSpPr/>
+        <p:nvPr/>
+      </p:nvGrpSpPr>
+      <p:grpSpPr>
+        <a:xfrm>
+          <a:off x="0" y="0"/>
+          <a:ext cx="0" cy="0"/>
+          <a:chOff x="0" y="0"/>
+          <a:chExt cx="0" cy="0"/>
+        </a:xfrm>
+      </p:grpSpPr>
+      <p:sp>
+        <p:nvSpPr>
+          <p:cNvPr id="2" name="Title 1">
+            <a:extLst>
+              <a:ext uri="{FF2B5EF4-FFF2-40B4-BE49-F238E27FC236}">
+                <a16:creationId xmlns:a16="http://schemas.microsoft.com/office/drawing/2014/main" id="{9C7F28C4-B720-374B-98C7-E1B3FD1A5D6A}"/>
+              </a:ext>
+            </a:extLst>
+          </p:cNvPr>
+          <p:cNvSpPr>
+            <a:spLocks noGrp="1"/>
+          </p:cNvSpPr>
+          <p:nvPr>
+            <p:ph type="title"/>
+          </p:nvPr>
+        </p:nvSpPr>
+        <p:spPr/>
+        <p:txBody>
+          <a:bodyPr/>
+          <a:lstStyle/>
+          <a:p>
+            <a:r>
+              <a:rPr lang="en-US" dirty="0"/>
+              <a:t>Docker</a:t>
+            </a:r>
+            <a:endParaRPr lang="ru-RU" dirty="0"/>
+          </a:p>
+        </p:txBody>
+      </p:sp>
+      <p:pic>
+        <p:nvPicPr>
+          <p:cNvPr id="4" name="Content Placeholder 3">
+            <a:extLst>
+              <a:ext uri="{FF2B5EF4-FFF2-40B4-BE49-F238E27FC236}">
+                <a16:creationId xmlns:a16="http://schemas.microsoft.com/office/drawing/2014/main" id="{B49F7CD7-0E79-3345-BA43-69B336C1B843}"/>
+              </a:ext>
+            </a:extLst>
+          </p:cNvPr>
+          <p:cNvPicPr>
+            <a:picLocks noGrp="1" noChangeAspect="1"/>
+          </p:cNvPicPr>
+          <p:nvPr>
+            <p:ph idx="1"/>
+          </p:nvPr>
+        </p:nvPicPr>
+        <p:blipFill>
+          <a:blip r:embed="rId2"/>
+          <a:stretch>
+            <a:fillRect/>
+          </a:stretch>
+        </p:blipFill>
+        <p:spPr>
+          <a:xfrm>
+            <a:off x="3714750" y="1848644"/>
+            <a:ext cx="4762500" cy="4305300"/>
+          </a:xfrm>
+          <a:prstGeom prst="rect">
+            <a:avLst/>
+          </a:prstGeom>
+        </p:spPr>
+      </p:pic>
+    </p:spTree>
+    <p:extLst>
+      <p:ext uri="{BB962C8B-B14F-4D97-AF65-F5344CB8AC3E}">
+        <p14:creationId xmlns:p14="http://schemas.microsoft.com/office/powerpoint/2010/main" val="330579649"/>
+      </p:ext>
+    </p:extLst>
+  </p:cSld>
+  <p:clrMapOvr>
+    <a:masterClrMapping/>
+  </p:clrMapOvr>
+</p:sld>
+</file>
+
+<file path=ppt/slides/slide14.xml><?xml version="1.0" encoding="utf-8"?>
+<p:sld xmlns:a="http://schemas.openxmlformats.org/drawingml/2006/main" xmlns:r="http://schemas.openxmlformats.org/officeDocument/2006/relationships" xmlns:p="http://schemas.openxmlformats.org/presentationml/2006/main">
+  <p:cSld>
+    <p:spTree>
+      <p:nvGrpSpPr>
+        <p:cNvPr id="1" name=""/>
+        <p:cNvGrpSpPr/>
+        <p:nvPr/>
+      </p:nvGrpSpPr>
+      <p:grpSpPr>
+        <a:xfrm>
+          <a:off x="0" y="0"/>
+          <a:ext cx="0" cy="0"/>
+          <a:chOff x="0" y="0"/>
+          <a:chExt cx="0" cy="0"/>
+        </a:xfrm>
+      </p:grpSpPr>
+      <p:sp>
+        <p:nvSpPr>
+          <p:cNvPr id="2" name="Title 1">
+            <a:extLst>
+              <a:ext uri="{FF2B5EF4-FFF2-40B4-BE49-F238E27FC236}">
                 <a16:creationId xmlns:a16="http://schemas.microsoft.com/office/drawing/2014/main" id="{539D6700-FDC6-7A4A-BA5C-7B38EFD350C8}"/>
               </a:ext>
             </a:extLst>
@@ -3411,7 +4590,7 @@
 </p:sld>
 </file>
 
-<file path=ppt/slides/slide11.xml><?xml version="1.0" encoding="utf-8"?>
+<file path=ppt/slides/slide15.xml><?xml version="1.0" encoding="utf-8"?>
 <p:sld xmlns:a="http://schemas.openxmlformats.org/drawingml/2006/main" xmlns:r="http://schemas.openxmlformats.org/officeDocument/2006/relationships" xmlns:p="http://schemas.openxmlformats.org/presentationml/2006/main">
   <p:cSld>
     <p:spTree>
@@ -3474,7 +4653,7 @@
           </p:nvPr>
         </p:nvPicPr>
         <p:blipFill>
-          <a:blip r:embed="rId2"/>
+          <a:blip r:embed="rId3"/>
           <a:stretch>
             <a:fillRect/>
           </a:stretch>
@@ -3502,7 +4681,7 @@
 </p:sld>
 </file>
 
-<file path=ppt/slides/slide12.xml><?xml version="1.0" encoding="utf-8"?>
+<file path=ppt/slides/slide16.xml><?xml version="1.0" encoding="utf-8"?>
 <p:sld xmlns:a="http://schemas.openxmlformats.org/drawingml/2006/main" xmlns:r="http://schemas.openxmlformats.org/officeDocument/2006/relationships" xmlns:p="http://schemas.openxmlformats.org/presentationml/2006/main">
   <p:cSld>
     <p:spTree>
@@ -3579,8 +4758,12 @@
           </a:p>
           <a:p>
             <a:r>
+              <a:rPr lang="en-US" dirty="0" err="1"/>
+              <a:t>Jupyter</a:t>
+            </a:r>
+            <a:r>
               <a:rPr lang="en-US" dirty="0"/>
-              <a:t>Jupiter notebook</a:t>
+              <a:t> notebook</a:t>
             </a:r>
             <a:endParaRPr lang="ru-RU" dirty="0"/>
           </a:p>
@@ -3615,7 +4798,7 @@
 </p:sld>
 </file>
 
-<file path=ppt/slides/slide13.xml><?xml version="1.0" encoding="utf-8"?>
+<file path=ppt/slides/slide17.xml><?xml version="1.0" encoding="utf-8"?>
 <p:sld xmlns:a="http://schemas.openxmlformats.org/drawingml/2006/main" xmlns:r="http://schemas.openxmlformats.org/officeDocument/2006/relationships" xmlns:p="http://schemas.openxmlformats.org/presentationml/2006/main">
   <p:cSld>
     <p:spTree>
@@ -3928,8 +5111,8 @@
           </a:p>
         </p:txBody>
       </p:sp>
-      <mc:AlternateContent xmlns:mc="http://schemas.openxmlformats.org/markup-compatibility/2006">
-        <mc:Choice xmlns:a14="http://schemas.microsoft.com/office/drawing/2010/main" Requires="a14">
+      <mc:AlternateContent xmlns:mc="http://schemas.openxmlformats.org/markup-compatibility/2006" xmlns:a14="http://schemas.microsoft.com/office/drawing/2010/main">
+        <mc:Choice Requires="a14">
           <p:sp>
             <p:nvSpPr>
               <p:cNvPr id="3" name="Content Placeholder 2">
@@ -4002,7 +5185,7 @@
             </p:txBody>
           </p:sp>
         </mc:Choice>
-        <mc:Fallback>
+        <mc:Fallback xmlns="">
           <p:sp>
             <p:nvSpPr>
               <p:cNvPr id="3" name="Content Placeholder 2">
@@ -4046,8 +5229,8 @@
           </p:sp>
         </mc:Fallback>
       </mc:AlternateContent>
-      <mc:AlternateContent xmlns:mc="http://schemas.openxmlformats.org/markup-compatibility/2006">
-        <mc:Choice xmlns:a14="http://schemas.microsoft.com/office/drawing/2010/main" Requires="a14">
+      <mc:AlternateContent xmlns:mc="http://schemas.openxmlformats.org/markup-compatibility/2006" xmlns:a14="http://schemas.microsoft.com/office/drawing/2010/main">
+        <mc:Choice Requires="a14">
           <p:sp>
             <p:nvSpPr>
               <p:cNvPr id="4" name="TextBox 3">
@@ -4076,6 +5259,7 @@
               </a:bodyPr>
               <a:lstStyle/>
               <a:p>
+                <a:pPr/>
                 <a14:m>
                   <m:oMathPara xmlns:m="http://schemas.openxmlformats.org/officeDocument/2006/math">
                     <m:oMathParaPr>
@@ -4139,7 +5323,7 @@
             </p:txBody>
           </p:sp>
         </mc:Choice>
-        <mc:Fallback>
+        <mc:Fallback xmlns="">
           <p:sp>
             <p:nvSpPr>
               <p:cNvPr id="4" name="TextBox 3">
@@ -4214,8 +5398,8 @@
           <a:chExt cx="0" cy="0"/>
         </a:xfrm>
       </p:grpSpPr>
-      <mc:AlternateContent xmlns:mc="http://schemas.openxmlformats.org/markup-compatibility/2006">
-        <mc:Choice xmlns:a14="http://schemas.microsoft.com/office/drawing/2010/main" Requires="a14">
+      <mc:AlternateContent xmlns:mc="http://schemas.openxmlformats.org/markup-compatibility/2006" xmlns:a14="http://schemas.microsoft.com/office/drawing/2010/main">
+        <mc:Choice Requires="a14">
           <p:sp>
             <p:nvSpPr>
               <p:cNvPr id="2" name="Title 1">
@@ -4260,7 +5444,7 @@
             </p:txBody>
           </p:sp>
         </mc:Choice>
-        <mc:Fallback>
+        <mc:Fallback xmlns="">
           <p:sp>
             <p:nvSpPr>
               <p:cNvPr id="2" name="Title 1">
@@ -4348,7 +5532,7 @@
             <p:spPr>
               <a:xfrm>
                 <a:off x="6096000" y="6042026"/>
-                <a:ext cx="5339732" cy="369332"/>
+                <a:ext cx="5467972" cy="369332"/>
               </a:xfrm>
               <a:prstGeom prst="rect">
                 <a:avLst/>
@@ -4379,7 +5563,21 @@
                         <a:latin typeface="Cambria Math" panose="02040503050406030204" pitchFamily="18" charset="0"/>
                         <a:ea typeface="Cambria Math" panose="02040503050406030204" pitchFamily="18" charset="0"/>
                       </a:rPr>
-                      <m:t>(0, 7,0∙</m:t>
+                      <m:t>(0, </m:t>
+                    </m:r>
+                    <m:r>
+                      <a:rPr lang="ru-RU" b="0" i="1" smtClean="0">
+                        <a:latin typeface="Cambria Math" panose="02040503050406030204" pitchFamily="18" charset="0"/>
+                        <a:ea typeface="Cambria Math" panose="02040503050406030204" pitchFamily="18" charset="0"/>
+                      </a:rPr>
+                      <m:t> </m:t>
+                    </m:r>
+                    <m:r>
+                      <a:rPr lang="ru-RU" b="0" i="1" smtClean="0">
+                        <a:latin typeface="Cambria Math" panose="02040503050406030204" pitchFamily="18" charset="0"/>
+                        <a:ea typeface="Cambria Math" panose="02040503050406030204" pitchFamily="18" charset="0"/>
+                      </a:rPr>
+                      <m:t>7,0∙</m:t>
                     </m:r>
                     <m:sSup>
                       <m:sSupPr>
@@ -4441,7 +5639,7 @@
             <p:spPr>
               <a:xfrm>
                 <a:off x="6096000" y="6042026"/>
-                <a:ext cx="5339732" cy="369332"/>
+                <a:ext cx="5467972" cy="369332"/>
               </a:xfrm>
               <a:prstGeom prst="rect">
                 <a:avLst/>
@@ -4449,7 +5647,7 @@
               <a:blipFill>
                 <a:blip r:embed="rId4"/>
                 <a:stretch>
-                  <a:fillRect l="-952" t="-6667" b="-23333"/>
+                  <a:fillRect l="-928" t="-6667" b="-26667"/>
                 </a:stretch>
               </a:blipFill>
             </p:spPr>
@@ -4458,7 +5656,7 @@
               <a:lstStyle/>
               <a:p>
                 <a:r>
-                  <a:rPr lang="ru-RU">
+                  <a:rPr lang="en-RU">
                     <a:noFill/>
                   </a:rPr>
                   <a:t> </a:t>
@@ -4761,7 +5959,7 @@
         <p:spPr/>
         <p:txBody>
           <a:bodyPr>
-            <a:normAutofit lnSpcReduction="10000"/>
+            <a:normAutofit/>
           </a:bodyPr>
           <a:lstStyle/>
           <a:p>
@@ -4863,15 +6061,6 @@
               <a:t>GRU, LSTM, visual question answering</a:t>
             </a:r>
             <a:endParaRPr lang="ru-RU" b="1" dirty="0"/>
-          </a:p>
-          <a:p>
-            <a:pPr marL="0" indent="0" hangingPunct="0">
-              <a:buNone/>
-            </a:pPr>
-            <a:r>
-              <a:rPr lang="ru-RU" b="1" dirty="0"/>
-              <a:t>Лекция 13. Обучение с подкреплением</a:t>
-            </a:r>
           </a:p>
           <a:p>
             <a:pPr marL="0" indent="0">
@@ -4916,7 +6105,7 @@
           <p:cNvPr id="2" name="Title 1">
             <a:extLst>
               <a:ext uri="{FF2B5EF4-FFF2-40B4-BE49-F238E27FC236}">
-                <a16:creationId xmlns:a16="http://schemas.microsoft.com/office/drawing/2014/main" id="{B509E6B2-1391-0345-BB94-443BDF63DEDD}"/>
+                <a16:creationId xmlns:a16="http://schemas.microsoft.com/office/drawing/2014/main" id="{E680FD1B-79F4-EF4A-A297-808E148B3173}"/>
               </a:ext>
             </a:extLst>
           </p:cNvPr>
@@ -4929,17 +6118,16 @@
         </p:nvSpPr>
         <p:spPr/>
         <p:txBody>
-          <a:bodyPr/>
-          <a:lstStyle/>
-          <a:p>
-            <a:r>
-              <a:rPr lang="en-US" dirty="0"/>
-              <a:t>Git – </a:t>
-            </a:r>
+          <a:bodyPr>
+            <a:normAutofit fontScale="90000"/>
+          </a:bodyPr>
+          <a:lstStyle/>
+          <a:p>
             <a:r>
               <a:rPr lang="ru-RU" dirty="0"/>
-              <a:t>распространённая система контроля версий</a:t>
-            </a:r>
+              <a:t>Наиболее полезные инструменты для разработки алгоритмов искусственного зрения</a:t>
+            </a:r>
+            <a:endParaRPr lang="en-RU" dirty="0"/>
           </a:p>
         </p:txBody>
       </p:sp>
@@ -4948,7 +6136,7 @@
           <p:cNvPr id="3" name="Content Placeholder 2">
             <a:extLst>
               <a:ext uri="{FF2B5EF4-FFF2-40B4-BE49-F238E27FC236}">
-                <a16:creationId xmlns:a16="http://schemas.microsoft.com/office/drawing/2014/main" id="{8ECB0738-7FB6-F844-BE76-77AC7792CC9B}"/>
+                <a16:creationId xmlns:a16="http://schemas.microsoft.com/office/drawing/2014/main" id="{2D983ED4-DFB2-E049-99EC-54481C151008}"/>
               </a:ext>
             </a:extLst>
           </p:cNvPr>
@@ -4965,29 +6153,52 @@
           <a:lstStyle/>
           <a:p>
             <a:r>
-              <a:rPr lang="en-US" dirty="0">
-                <a:hlinkClick r:id="rId2"/>
-              </a:rPr>
-              <a:t>https://rogerdudler.github.io/git-guide/</a:t>
-            </a:r>
-            <a:r>
-              <a:rPr lang="en-US" dirty="0"/>
-              <a:t> </a:t>
-            </a:r>
-            <a:endParaRPr lang="ru-RU" dirty="0"/>
-          </a:p>
-          <a:p>
-            <a:endParaRPr lang="en-US" dirty="0"/>
-          </a:p>
-          <a:p>
-            <a:endParaRPr lang="ru-RU" dirty="0"/>
+              <a:rPr lang="en-GB" dirty="0"/>
+              <a:t>D</a:t>
+            </a:r>
+            <a:r>
+              <a:rPr lang="en-RU" dirty="0"/>
+              <a:t>ocker</a:t>
+            </a:r>
+          </a:p>
+          <a:p>
+            <a:r>
+              <a:rPr lang="en-GB" dirty="0"/>
+              <a:t>G</a:t>
+            </a:r>
+            <a:r>
+              <a:rPr lang="en-RU" dirty="0"/>
+              <a:t>it</a:t>
+            </a:r>
+          </a:p>
+          <a:p>
+            <a:r>
+              <a:rPr lang="en-RU" dirty="0"/>
+              <a:t>dvc</a:t>
+            </a:r>
+          </a:p>
+          <a:p>
+            <a:r>
+              <a:rPr lang="en-RU" dirty="0"/>
+              <a:t>Python</a:t>
+            </a:r>
+          </a:p>
+          <a:p>
+            <a:r>
+              <a:rPr lang="en-GB" dirty="0"/>
+              <a:t>C</a:t>
+            </a:r>
+            <a:r>
+              <a:rPr lang="en-RU" dirty="0"/>
+              <a:t>++</a:t>
+            </a:r>
           </a:p>
         </p:txBody>
       </p:sp>
     </p:spTree>
     <p:extLst>
       <p:ext uri="{BB962C8B-B14F-4D97-AF65-F5344CB8AC3E}">
-        <p14:creationId xmlns:p14="http://schemas.microsoft.com/office/powerpoint/2010/main" val="849963488"/>
+        <p14:creationId xmlns:p14="http://schemas.microsoft.com/office/powerpoint/2010/main" val="3776983968"/>
       </p:ext>
     </p:extLst>
   </p:cSld>
@@ -5019,7 +6230,7 @@
           <p:cNvPr id="2" name="Title 1">
             <a:extLst>
               <a:ext uri="{FF2B5EF4-FFF2-40B4-BE49-F238E27FC236}">
-                <a16:creationId xmlns:a16="http://schemas.microsoft.com/office/drawing/2014/main" id="{F3C77570-6413-AB44-B18E-B01C8CA47EFB}"/>
+                <a16:creationId xmlns:a16="http://schemas.microsoft.com/office/drawing/2014/main" id="{B509E6B2-1391-0345-BB94-443BDF63DEDD}"/>
               </a:ext>
             </a:extLst>
           </p:cNvPr>
@@ -5036,10 +6247,13 @@
           <a:lstStyle/>
           <a:p>
             <a:r>
-              <a:rPr lang="en-US" dirty="0" err="1"/>
-              <a:t>Dockerfile</a:t>
-            </a:r>
-            <a:endParaRPr lang="ru-RU" dirty="0"/>
+              <a:rPr lang="en-US" dirty="0"/>
+              <a:t>Git – </a:t>
+            </a:r>
+            <a:r>
+              <a:rPr lang="ru-RU" dirty="0"/>
+              <a:t>распространённая система контроля версий</a:t>
+            </a:r>
           </a:p>
         </p:txBody>
       </p:sp>
@@ -5048,7 +6262,7 @@
           <p:cNvPr id="3" name="Content Placeholder 2">
             <a:extLst>
               <a:ext uri="{FF2B5EF4-FFF2-40B4-BE49-F238E27FC236}">
-                <a16:creationId xmlns:a16="http://schemas.microsoft.com/office/drawing/2014/main" id="{EBB06C4E-213D-1649-BA60-F766CCF4F540}"/>
+                <a16:creationId xmlns:a16="http://schemas.microsoft.com/office/drawing/2014/main" id="{8ECB0738-7FB6-F844-BE76-77AC7792CC9B}"/>
               </a:ext>
             </a:extLst>
           </p:cNvPr>
@@ -5064,144 +6278,22 @@
           <a:bodyPr/>
           <a:lstStyle/>
           <a:p>
-            <a:pPr marL="0" indent="0">
-              <a:buNone/>
-            </a:pPr>
-            <a:r>
-              <a:rPr lang="en-US" i="1" dirty="0">
-                <a:latin typeface="Courier" pitchFamily="2" charset="0"/>
+            <a:r>
+              <a:rPr lang="en-US" dirty="0">
+                <a:hlinkClick r:id="rId2"/>
               </a:rPr>
-              <a:t># Version: 0.0.1</a:t>
-            </a:r>
-            <a:r>
-              <a:rPr lang="en-US" dirty="0">
-                <a:latin typeface="Courier" pitchFamily="2" charset="0"/>
-              </a:rPr>
+              <a:t>https://rogerdudler.github.io/git-guide/</a:t>
+            </a:r>
+            <a:r>
+              <a:rPr lang="en-US" dirty="0"/>
               <a:t> </a:t>
             </a:r>
-          </a:p>
-          <a:p>
-            <a:pPr marL="0" indent="0">
-              <a:buNone/>
-            </a:pPr>
-            <a:r>
-              <a:rPr lang="en-US" dirty="0">
-                <a:latin typeface="Courier" pitchFamily="2" charset="0"/>
-              </a:rPr>
-              <a:t>FROM ubuntu:14.04 </a:t>
-            </a:r>
-          </a:p>
-          <a:p>
-            <a:pPr marL="0" indent="0">
-              <a:buNone/>
-            </a:pPr>
-            <a:r>
-              <a:rPr lang="en-US" dirty="0">
-                <a:latin typeface="Courier" pitchFamily="2" charset="0"/>
-              </a:rPr>
-              <a:t>MAINTAINER Someone&lt;</a:t>
-            </a:r>
-            <a:r>
-              <a:rPr lang="en-US" dirty="0" err="1">
-                <a:latin typeface="Courier" pitchFamily="2" charset="0"/>
-              </a:rPr>
-              <a:t>someone@somewhere.com</a:t>
-            </a:r>
-            <a:r>
-              <a:rPr lang="en-US" dirty="0">
-                <a:latin typeface="Courier" pitchFamily="2" charset="0"/>
-              </a:rPr>
-              <a:t>&gt; </a:t>
-            </a:r>
-          </a:p>
-          <a:p>
-            <a:pPr marL="0" indent="0">
-              <a:buNone/>
-            </a:pPr>
-            <a:r>
-              <a:rPr lang="en-US" dirty="0">
-                <a:latin typeface="Courier" pitchFamily="2" charset="0"/>
-              </a:rPr>
-              <a:t>RUN apt-get update </a:t>
-            </a:r>
-          </a:p>
-          <a:p>
-            <a:pPr marL="0" indent="0">
-              <a:buNone/>
-            </a:pPr>
-            <a:r>
-              <a:rPr lang="en-US" dirty="0">
-                <a:latin typeface="Courier" pitchFamily="2" charset="0"/>
-              </a:rPr>
-              <a:t>RUN apt-get install -y </a:t>
-            </a:r>
-            <a:r>
-              <a:rPr lang="en-US" dirty="0" err="1">
-                <a:latin typeface="Courier" pitchFamily="2" charset="0"/>
-              </a:rPr>
-              <a:t>nginx</a:t>
-            </a:r>
-            <a:endParaRPr lang="en-US" dirty="0">
-              <a:latin typeface="Courier" pitchFamily="2" charset="0"/>
-            </a:endParaRPr>
-          </a:p>
-          <a:p>
-            <a:pPr marL="0" indent="0">
-              <a:buNone/>
-            </a:pPr>
-            <a:r>
-              <a:rPr lang="en-US" dirty="0">
-                <a:latin typeface="Courier" pitchFamily="2" charset="0"/>
-              </a:rPr>
-              <a:t>RUN echo 'Hi, I am in your container’ \ 	&gt;/</a:t>
-            </a:r>
-            <a:r>
-              <a:rPr lang="en-US" dirty="0" err="1">
-                <a:latin typeface="Courier" pitchFamily="2" charset="0"/>
-              </a:rPr>
-              <a:t>usr</a:t>
-            </a:r>
-            <a:r>
-              <a:rPr lang="en-US" dirty="0">
-                <a:latin typeface="Courier" pitchFamily="2" charset="0"/>
-              </a:rPr>
-              <a:t>/share/</a:t>
-            </a:r>
-            <a:r>
-              <a:rPr lang="en-US" dirty="0" err="1">
-                <a:latin typeface="Courier" pitchFamily="2" charset="0"/>
-              </a:rPr>
-              <a:t>nginx</a:t>
-            </a:r>
-            <a:r>
-              <a:rPr lang="en-US" dirty="0">
-                <a:latin typeface="Courier" pitchFamily="2" charset="0"/>
-              </a:rPr>
-              <a:t>/html/</a:t>
-            </a:r>
-            <a:r>
-              <a:rPr lang="en-US" dirty="0" err="1">
-                <a:latin typeface="Courier" pitchFamily="2" charset="0"/>
-              </a:rPr>
-              <a:t>index.html</a:t>
-            </a:r>
-            <a:r>
-              <a:rPr lang="en-US" dirty="0">
-                <a:latin typeface="Courier" pitchFamily="2" charset="0"/>
-              </a:rPr>
-              <a:t> </a:t>
-            </a:r>
-          </a:p>
-          <a:p>
-            <a:pPr marL="0" indent="0">
-              <a:buNone/>
-            </a:pPr>
-            <a:r>
-              <a:rPr lang="en-US" dirty="0">
-                <a:latin typeface="Courier" pitchFamily="2" charset="0"/>
-              </a:rPr>
-              <a:t>EXPOSE 80</a:t>
-            </a:r>
+            <a:endParaRPr lang="ru-RU" dirty="0"/>
+          </a:p>
+          <a:p>
+            <a:endParaRPr lang="en-US" dirty="0"/>
+          </a:p>
+          <a:p>
             <a:endParaRPr lang="ru-RU" dirty="0"/>
           </a:p>
         </p:txBody>
@@ -5209,7 +6301,7 @@
     </p:spTree>
     <p:extLst>
       <p:ext uri="{BB962C8B-B14F-4D97-AF65-F5344CB8AC3E}">
-        <p14:creationId xmlns:p14="http://schemas.microsoft.com/office/powerpoint/2010/main" val="2243334518"/>
+        <p14:creationId xmlns:p14="http://schemas.microsoft.com/office/powerpoint/2010/main" val="849963488"/>
       </p:ext>
     </p:extLst>
   </p:cSld>
@@ -5241,7 +6333,7 @@
           <p:cNvPr id="2" name="Title 1">
             <a:extLst>
               <a:ext uri="{FF2B5EF4-FFF2-40B4-BE49-F238E27FC236}">
-                <a16:creationId xmlns:a16="http://schemas.microsoft.com/office/drawing/2014/main" id="{9C7F28C4-B720-374B-98C7-E1B3FD1A5D6A}"/>
+                <a16:creationId xmlns:a16="http://schemas.microsoft.com/office/drawing/2014/main" id="{C2EC4ADB-6837-A94A-8F42-918F9BA5457E}"/>
               </a:ext>
             </a:extLst>
           </p:cNvPr>
@@ -5258,49 +6350,100 @@
           <a:lstStyle/>
           <a:p>
             <a:r>
+              <a:rPr lang="ru-RU" dirty="0"/>
+              <a:t>Наиболее частые команды </a:t>
+            </a:r>
+            <a:r>
               <a:rPr lang="en-US" dirty="0"/>
-              <a:t>Docker</a:t>
-            </a:r>
-            <a:endParaRPr lang="ru-RU" dirty="0"/>
-          </a:p>
-        </p:txBody>
-      </p:sp>
-      <p:pic>
-        <p:nvPicPr>
-          <p:cNvPr id="4" name="Content Placeholder 3">
+              <a:t>git</a:t>
+            </a:r>
+            <a:endParaRPr lang="en-RU" dirty="0"/>
+          </a:p>
+        </p:txBody>
+      </p:sp>
+      <p:sp>
+        <p:nvSpPr>
+          <p:cNvPr id="3" name="Content Placeholder 2">
             <a:extLst>
               <a:ext uri="{FF2B5EF4-FFF2-40B4-BE49-F238E27FC236}">
-                <a16:creationId xmlns:a16="http://schemas.microsoft.com/office/drawing/2014/main" id="{B49F7CD7-0E79-3345-BA43-69B336C1B843}"/>
+                <a16:creationId xmlns:a16="http://schemas.microsoft.com/office/drawing/2014/main" id="{000C9E06-B408-884C-A98B-6145C769C306}"/>
               </a:ext>
             </a:extLst>
           </p:cNvPr>
-          <p:cNvPicPr>
-            <a:picLocks noGrp="1" noChangeAspect="1"/>
-          </p:cNvPicPr>
+          <p:cNvSpPr>
+            <a:spLocks noGrp="1"/>
+          </p:cNvSpPr>
           <p:nvPr>
             <p:ph idx="1"/>
           </p:nvPr>
-        </p:nvPicPr>
-        <p:blipFill>
-          <a:blip r:embed="rId2"/>
-          <a:stretch>
-            <a:fillRect/>
-          </a:stretch>
-        </p:blipFill>
-        <p:spPr>
-          <a:xfrm>
-            <a:off x="3714750" y="1848644"/>
-            <a:ext cx="4762500" cy="4305300"/>
-          </a:xfrm>
-          <a:prstGeom prst="rect">
-            <a:avLst/>
-          </a:prstGeom>
-        </p:spPr>
-      </p:pic>
+        </p:nvSpPr>
+        <p:spPr/>
+        <p:txBody>
+          <a:bodyPr/>
+          <a:lstStyle/>
+          <a:p>
+            <a:r>
+              <a:rPr lang="en-RU" dirty="0"/>
+              <a:t>git clone</a:t>
+            </a:r>
+            <a:r>
+              <a:rPr lang="ru-RU" dirty="0"/>
+              <a:t> </a:t>
+            </a:r>
+            <a:r>
+              <a:rPr lang="en-US" dirty="0"/>
+              <a:t>&lt;</a:t>
+            </a:r>
+            <a:r>
+              <a:rPr lang="en-US" dirty="0" err="1"/>
+              <a:t>url</a:t>
+            </a:r>
+            <a:r>
+              <a:rPr lang="en-US" dirty="0"/>
+              <a:t>&gt;</a:t>
+            </a:r>
+            <a:r>
+              <a:rPr lang="en-RU" dirty="0"/>
+              <a:t> – </a:t>
+            </a:r>
+            <a:r>
+              <a:rPr lang="ru-RU" dirty="0"/>
+              <a:t>создать копию </a:t>
+            </a:r>
+            <a:r>
+              <a:rPr lang="ru-RU" dirty="0" err="1"/>
+              <a:t>репозитория</a:t>
+            </a:r>
+            <a:r>
+              <a:rPr lang="ru-RU" dirty="0"/>
+              <a:t> локально</a:t>
+            </a:r>
+            <a:endParaRPr lang="en-US" dirty="0"/>
+          </a:p>
+          <a:p>
+            <a:r>
+              <a:rPr lang="en-US" dirty="0"/>
+              <a:t>git pull </a:t>
+            </a:r>
+            <a:r>
+              <a:rPr lang="ru-RU" dirty="0"/>
+              <a:t>– обновить локальную копию до состояния во внешнем </a:t>
+            </a:r>
+            <a:r>
+              <a:rPr lang="ru-RU" dirty="0" err="1"/>
+              <a:t>репозитории</a:t>
+            </a:r>
+            <a:r>
+              <a:rPr lang="ru-RU" dirty="0"/>
+              <a:t>.</a:t>
+            </a:r>
+          </a:p>
+        </p:txBody>
+      </p:sp>
     </p:spTree>
     <p:extLst>
       <p:ext uri="{BB962C8B-B14F-4D97-AF65-F5344CB8AC3E}">
-        <p14:creationId xmlns:p14="http://schemas.microsoft.com/office/powerpoint/2010/main" val="330579649"/>
+        <p14:creationId xmlns:p14="http://schemas.microsoft.com/office/powerpoint/2010/main" val="1415566042"/>
       </p:ext>
     </p:extLst>
   </p:cSld>
@@ -5569,4 +6712,299 @@
     </a:ext>
   </a:extLst>
 </a:theme>
+</file>
+
+<file path=ppt/theme/theme2.xml><?xml version="1.0" encoding="utf-8"?>
+<a:theme xmlns:a="http://schemas.openxmlformats.org/drawingml/2006/main" name="Office Theme">
+  <a:themeElements>
+    <a:clrScheme name="Office">
+      <a:dk1>
+        <a:sysClr val="windowText" lastClr="000000"/>
+      </a:dk1>
+      <a:lt1>
+        <a:sysClr val="window" lastClr="FFFFFF"/>
+      </a:lt1>
+      <a:dk2>
+        <a:srgbClr val="44546A"/>
+      </a:dk2>
+      <a:lt2>
+        <a:srgbClr val="E7E6E6"/>
+      </a:lt2>
+      <a:accent1>
+        <a:srgbClr val="4472C4"/>
+      </a:accent1>
+      <a:accent2>
+        <a:srgbClr val="ED7D31"/>
+      </a:accent2>
+      <a:accent3>
+        <a:srgbClr val="A5A5A5"/>
+      </a:accent3>
+      <a:accent4>
+        <a:srgbClr val="FFC000"/>
+      </a:accent4>
+      <a:accent5>
+        <a:srgbClr val="5B9BD5"/>
+      </a:accent5>
+      <a:accent6>
+        <a:srgbClr val="70AD47"/>
+      </a:accent6>
+      <a:hlink>
+        <a:srgbClr val="0563C1"/>
+      </a:hlink>
+      <a:folHlink>
+        <a:srgbClr val="954F72"/>
+      </a:folHlink>
+    </a:clrScheme>
+    <a:fontScheme name="Office">
+      <a:majorFont>
+        <a:latin typeface="Calibri Light" panose="020F0302020204030204"/>
+        <a:ea typeface=""/>
+        <a:cs typeface=""/>
+        <a:font script="Jpan" typeface="游ゴシック Light"/>
+        <a:font script="Hang" typeface="맑은 고딕"/>
+        <a:font script="Hans" typeface="等线 Light"/>
+        <a:font script="Hant" typeface="新細明體"/>
+        <a:font script="Arab" typeface="Times New Roman"/>
+        <a:font script="Hebr" typeface="Times New Roman"/>
+        <a:font script="Thai" typeface="Angsana New"/>
+        <a:font script="Ethi" typeface="Nyala"/>
+        <a:font script="Beng" typeface="Vrinda"/>
+        <a:font script="Gujr" typeface="Shruti"/>
+        <a:font script="Khmr" typeface="MoolBoran"/>
+        <a:font script="Knda" typeface="Tunga"/>
+        <a:font script="Guru" typeface="Raavi"/>
+        <a:font script="Cans" typeface="Euphemia"/>
+        <a:font script="Cher" typeface="Plantagenet Cherokee"/>
+        <a:font script="Yiii" typeface="Microsoft Yi Baiti"/>
+        <a:font script="Tibt" typeface="Microsoft Himalaya"/>
+        <a:font script="Thaa" typeface="MV Boli"/>
+        <a:font script="Deva" typeface="Mangal"/>
+        <a:font script="Telu" typeface="Gautami"/>
+        <a:font script="Taml" typeface="Latha"/>
+        <a:font script="Syrc" typeface="Estrangelo Edessa"/>
+        <a:font script="Orya" typeface="Kalinga"/>
+        <a:font script="Mlym" typeface="Kartika"/>
+        <a:font script="Laoo" typeface="DokChampa"/>
+        <a:font script="Sinh" typeface="Iskoola Pota"/>
+        <a:font script="Mong" typeface="Mongolian Baiti"/>
+        <a:font script="Viet" typeface="Times New Roman"/>
+        <a:font script="Uigh" typeface="Microsoft Uighur"/>
+        <a:font script="Geor" typeface="Sylfaen"/>
+        <a:font script="Armn" typeface="Arial"/>
+        <a:font script="Bugi" typeface="Leelawadee UI"/>
+        <a:font script="Bopo" typeface="Microsoft JhengHei"/>
+        <a:font script="Java" typeface="Javanese Text"/>
+        <a:font script="Lisu" typeface="Segoe UI"/>
+        <a:font script="Mymr" typeface="Myanmar Text"/>
+        <a:font script="Nkoo" typeface="Ebrima"/>
+        <a:font script="Olck" typeface="Nirmala UI"/>
+        <a:font script="Osma" typeface="Ebrima"/>
+        <a:font script="Phag" typeface="Phagspa"/>
+        <a:font script="Syrn" typeface="Estrangelo Edessa"/>
+        <a:font script="Syrj" typeface="Estrangelo Edessa"/>
+        <a:font script="Syre" typeface="Estrangelo Edessa"/>
+        <a:font script="Sora" typeface="Nirmala UI"/>
+        <a:font script="Tale" typeface="Microsoft Tai Le"/>
+        <a:font script="Talu" typeface="Microsoft New Tai Lue"/>
+        <a:font script="Tfng" typeface="Ebrima"/>
+      </a:majorFont>
+      <a:minorFont>
+        <a:latin typeface="Calibri" panose="020F0502020204030204"/>
+        <a:ea typeface=""/>
+        <a:cs typeface=""/>
+        <a:font script="Jpan" typeface="游ゴシック"/>
+        <a:font script="Hang" typeface="맑은 고딕"/>
+        <a:font script="Hans" typeface="等线"/>
+        <a:font script="Hant" typeface="新細明體"/>
+        <a:font script="Arab" typeface="Arial"/>
+        <a:font script="Hebr" typeface="Arial"/>
+        <a:font script="Thai" typeface="Cordia New"/>
+        <a:font script="Ethi" typeface="Nyala"/>
+        <a:font script="Beng" typeface="Vrinda"/>
+        <a:font script="Gujr" typeface="Shruti"/>
+        <a:font script="Khmr" typeface="DaunPenh"/>
+        <a:font script="Knda" typeface="Tunga"/>
+        <a:font script="Guru" typeface="Raavi"/>
+        <a:font script="Cans" typeface="Euphemia"/>
+        <a:font script="Cher" typeface="Plantagenet Cherokee"/>
+        <a:font script="Yiii" typeface="Microsoft Yi Baiti"/>
+        <a:font script="Tibt" typeface="Microsoft Himalaya"/>
+        <a:font script="Thaa" typeface="MV Boli"/>
+        <a:font script="Deva" typeface="Mangal"/>
+        <a:font script="Telu" typeface="Gautami"/>
+        <a:font script="Taml" typeface="Latha"/>
+        <a:font script="Syrc" typeface="Estrangelo Edessa"/>
+        <a:font script="Orya" typeface="Kalinga"/>
+        <a:font script="Mlym" typeface="Kartika"/>
+        <a:font script="Laoo" typeface="DokChampa"/>
+        <a:font script="Sinh" typeface="Iskoola Pota"/>
+        <a:font script="Mong" typeface="Mongolian Baiti"/>
+        <a:font script="Viet" typeface="Arial"/>
+        <a:font script="Uigh" typeface="Microsoft Uighur"/>
+        <a:font script="Geor" typeface="Sylfaen"/>
+        <a:font script="Armn" typeface="Arial"/>
+        <a:font script="Bugi" typeface="Leelawadee UI"/>
+        <a:font script="Bopo" typeface="Microsoft JhengHei"/>
+        <a:font script="Java" typeface="Javanese Text"/>
+        <a:font script="Lisu" typeface="Segoe UI"/>
+        <a:font script="Mymr" typeface="Myanmar Text"/>
+        <a:font script="Nkoo" typeface="Ebrima"/>
+        <a:font script="Olck" typeface="Nirmala UI"/>
+        <a:font script="Osma" typeface="Ebrima"/>
+        <a:font script="Phag" typeface="Phagspa"/>
+        <a:font script="Syrn" typeface="Estrangelo Edessa"/>
+        <a:font script="Syrj" typeface="Estrangelo Edessa"/>
+        <a:font script="Syre" typeface="Estrangelo Edessa"/>
+        <a:font script="Sora" typeface="Nirmala UI"/>
+        <a:font script="Tale" typeface="Microsoft Tai Le"/>
+        <a:font script="Talu" typeface="Microsoft New Tai Lue"/>
+        <a:font script="Tfng" typeface="Ebrima"/>
+      </a:minorFont>
+    </a:fontScheme>
+    <a:fmtScheme name="Office">
+      <a:fillStyleLst>
+        <a:solidFill>
+          <a:schemeClr val="phClr"/>
+        </a:solidFill>
+        <a:gradFill rotWithShape="1">
+          <a:gsLst>
+            <a:gs pos="0">
+              <a:schemeClr val="phClr">
+                <a:lumMod val="110000"/>
+                <a:satMod val="105000"/>
+                <a:tint val="67000"/>
+              </a:schemeClr>
+            </a:gs>
+            <a:gs pos="50000">
+              <a:schemeClr val="phClr">
+                <a:lumMod val="105000"/>
+                <a:satMod val="103000"/>
+                <a:tint val="73000"/>
+              </a:schemeClr>
+            </a:gs>
+            <a:gs pos="100000">
+              <a:schemeClr val="phClr">
+                <a:lumMod val="105000"/>
+                <a:satMod val="109000"/>
+                <a:tint val="81000"/>
+              </a:schemeClr>
+            </a:gs>
+          </a:gsLst>
+          <a:lin ang="5400000" scaled="0"/>
+        </a:gradFill>
+        <a:gradFill rotWithShape="1">
+          <a:gsLst>
+            <a:gs pos="0">
+              <a:schemeClr val="phClr">
+                <a:satMod val="103000"/>
+                <a:lumMod val="102000"/>
+                <a:tint val="94000"/>
+              </a:schemeClr>
+            </a:gs>
+            <a:gs pos="50000">
+              <a:schemeClr val="phClr">
+                <a:satMod val="110000"/>
+                <a:lumMod val="100000"/>
+                <a:shade val="100000"/>
+              </a:schemeClr>
+            </a:gs>
+            <a:gs pos="100000">
+              <a:schemeClr val="phClr">
+                <a:lumMod val="99000"/>
+                <a:satMod val="120000"/>
+                <a:shade val="78000"/>
+              </a:schemeClr>
+            </a:gs>
+          </a:gsLst>
+          <a:lin ang="5400000" scaled="0"/>
+        </a:gradFill>
+      </a:fillStyleLst>
+      <a:lnStyleLst>
+        <a:ln w="6350" cap="flat" cmpd="sng" algn="ctr">
+          <a:solidFill>
+            <a:schemeClr val="phClr"/>
+          </a:solidFill>
+          <a:prstDash val="solid"/>
+          <a:miter lim="800000"/>
+        </a:ln>
+        <a:ln w="12700" cap="flat" cmpd="sng" algn="ctr">
+          <a:solidFill>
+            <a:schemeClr val="phClr"/>
+          </a:solidFill>
+          <a:prstDash val="solid"/>
+          <a:miter lim="800000"/>
+        </a:ln>
+        <a:ln w="19050" cap="flat" cmpd="sng" algn="ctr">
+          <a:solidFill>
+            <a:schemeClr val="phClr"/>
+          </a:solidFill>
+          <a:prstDash val="solid"/>
+          <a:miter lim="800000"/>
+        </a:ln>
+      </a:lnStyleLst>
+      <a:effectStyleLst>
+        <a:effectStyle>
+          <a:effectLst/>
+        </a:effectStyle>
+        <a:effectStyle>
+          <a:effectLst/>
+        </a:effectStyle>
+        <a:effectStyle>
+          <a:effectLst>
+            <a:outerShdw blurRad="57150" dist="19050" dir="5400000" algn="ctr" rotWithShape="0">
+              <a:srgbClr val="000000">
+                <a:alpha val="63000"/>
+              </a:srgbClr>
+            </a:outerShdw>
+          </a:effectLst>
+        </a:effectStyle>
+      </a:effectStyleLst>
+      <a:bgFillStyleLst>
+        <a:solidFill>
+          <a:schemeClr val="phClr"/>
+        </a:solidFill>
+        <a:solidFill>
+          <a:schemeClr val="phClr">
+            <a:tint val="95000"/>
+            <a:satMod val="170000"/>
+          </a:schemeClr>
+        </a:solidFill>
+        <a:gradFill rotWithShape="1">
+          <a:gsLst>
+            <a:gs pos="0">
+              <a:schemeClr val="phClr">
+                <a:tint val="93000"/>
+                <a:satMod val="150000"/>
+                <a:shade val="98000"/>
+                <a:lumMod val="102000"/>
+              </a:schemeClr>
+            </a:gs>
+            <a:gs pos="50000">
+              <a:schemeClr val="phClr">
+                <a:tint val="98000"/>
+                <a:satMod val="130000"/>
+                <a:shade val="90000"/>
+                <a:lumMod val="103000"/>
+              </a:schemeClr>
+            </a:gs>
+            <a:gs pos="100000">
+              <a:schemeClr val="phClr">
+                <a:shade val="63000"/>
+                <a:satMod val="120000"/>
+              </a:schemeClr>
+            </a:gs>
+          </a:gsLst>
+          <a:lin ang="5400000" scaled="0"/>
+        </a:gradFill>
+      </a:bgFillStyleLst>
+    </a:fmtScheme>
+  </a:themeElements>
+  <a:objectDefaults/>
+  <a:extraClrSchemeLst/>
+  <a:extLst>
+    <a:ext uri="{05A4C25C-085E-4340-85A3-A5531E510DB2}">
+      <thm15:themeFamily xmlns:thm15="http://schemas.microsoft.com/office/thememl/2012/main" name="Office Theme" id="{62F939B6-93AF-4DB8-9C6B-D6C7DFDC589F}" vid="{4A3C46E8-61CC-4603-A589-7422A47A8E4A}"/>
+    </a:ext>
+  </a:extLst>
+</a:theme>
 </file>
--- a/Лекция 0/Лекция 0. Вводная.pptx
+++ b/Лекция 0/Лекция 0. Вводная.pptx
@@ -171,6 +171,21 @@
   </mc:AlternateContent>
   <c:chart>
     <c:title>
+      <c:tx>
+        <c:rich>
+          <a:bodyPr/>
+          <a:lstStyle/>
+          <a:p>
+            <a:pPr>
+              <a:defRPr/>
+            </a:pPr>
+            <a:r>
+              <a:rPr lang="ru-RU" dirty="0"/>
+              <a:t>у.е.</a:t>
+            </a:r>
+          </a:p>
+        </c:rich>
+      </c:tx>
       <c:overlay val="0"/>
     </c:title>
     <c:autoTitleDeleted val="0"/>
@@ -486,7 +501,7 @@
           <a:p>
             <a:fld id="{0FD707A7-95F4-2547-A832-43587E3119E8}" type="datetimeFigureOut">
               <a:rPr lang="en-RU" smtClean="0"/>
-              <a:t>12.02.2021</a:t>
+              <a:t>03.02.2025</a:t>
             </a:fld>
             <a:endParaRPr lang="en-RU"/>
           </a:p>
@@ -969,7 +984,7 @@
           <a:p>
             <a:fld id="{C2BCA813-D132-4243-A206-1755D7169695}" type="datetimeFigureOut">
               <a:rPr lang="ru-RU" smtClean="0"/>
-              <a:t>12.02.2021</a:t>
+              <a:t>03.02.2025</a:t>
             </a:fld>
             <a:endParaRPr lang="ru-RU"/>
           </a:p>
@@ -1139,7 +1154,7 @@
           <a:p>
             <a:fld id="{C2BCA813-D132-4243-A206-1755D7169695}" type="datetimeFigureOut">
               <a:rPr lang="ru-RU" smtClean="0"/>
-              <a:t>12.02.2021</a:t>
+              <a:t>03.02.2025</a:t>
             </a:fld>
             <a:endParaRPr lang="ru-RU"/>
           </a:p>
@@ -1319,7 +1334,7 @@
           <a:p>
             <a:fld id="{C2BCA813-D132-4243-A206-1755D7169695}" type="datetimeFigureOut">
               <a:rPr lang="ru-RU" smtClean="0"/>
-              <a:t>12.02.2021</a:t>
+              <a:t>03.02.2025</a:t>
             </a:fld>
             <a:endParaRPr lang="ru-RU"/>
           </a:p>
@@ -1489,7 +1504,7 @@
           <a:p>
             <a:fld id="{C2BCA813-D132-4243-A206-1755D7169695}" type="datetimeFigureOut">
               <a:rPr lang="ru-RU" smtClean="0"/>
-              <a:t>12.02.2021</a:t>
+              <a:t>03.02.2025</a:t>
             </a:fld>
             <a:endParaRPr lang="ru-RU"/>
           </a:p>
@@ -1735,7 +1750,7 @@
           <a:p>
             <a:fld id="{C2BCA813-D132-4243-A206-1755D7169695}" type="datetimeFigureOut">
               <a:rPr lang="ru-RU" smtClean="0"/>
-              <a:t>12.02.2021</a:t>
+              <a:t>03.02.2025</a:t>
             </a:fld>
             <a:endParaRPr lang="ru-RU"/>
           </a:p>
@@ -1967,7 +1982,7 @@
           <a:p>
             <a:fld id="{C2BCA813-D132-4243-A206-1755D7169695}" type="datetimeFigureOut">
               <a:rPr lang="ru-RU" smtClean="0"/>
-              <a:t>12.02.2021</a:t>
+              <a:t>03.02.2025</a:t>
             </a:fld>
             <a:endParaRPr lang="ru-RU"/>
           </a:p>
@@ -2334,7 +2349,7 @@
           <a:p>
             <a:fld id="{C2BCA813-D132-4243-A206-1755D7169695}" type="datetimeFigureOut">
               <a:rPr lang="ru-RU" smtClean="0"/>
-              <a:t>12.02.2021</a:t>
+              <a:t>03.02.2025</a:t>
             </a:fld>
             <a:endParaRPr lang="ru-RU"/>
           </a:p>
@@ -2452,7 +2467,7 @@
           <a:p>
             <a:fld id="{C2BCA813-D132-4243-A206-1755D7169695}" type="datetimeFigureOut">
               <a:rPr lang="ru-RU" smtClean="0"/>
-              <a:t>12.02.2021</a:t>
+              <a:t>03.02.2025</a:t>
             </a:fld>
             <a:endParaRPr lang="ru-RU"/>
           </a:p>
@@ -2547,7 +2562,7 @@
           <a:p>
             <a:fld id="{C2BCA813-D132-4243-A206-1755D7169695}" type="datetimeFigureOut">
               <a:rPr lang="ru-RU" smtClean="0"/>
-              <a:t>12.02.2021</a:t>
+              <a:t>03.02.2025</a:t>
             </a:fld>
             <a:endParaRPr lang="ru-RU"/>
           </a:p>
@@ -2824,7 +2839,7 @@
           <a:p>
             <a:fld id="{C2BCA813-D132-4243-A206-1755D7169695}" type="datetimeFigureOut">
               <a:rPr lang="ru-RU" smtClean="0"/>
-              <a:t>12.02.2021</a:t>
+              <a:t>03.02.2025</a:t>
             </a:fld>
             <a:endParaRPr lang="ru-RU"/>
           </a:p>
@@ -3081,7 +3096,7 @@
           <a:p>
             <a:fld id="{C2BCA813-D132-4243-A206-1755D7169695}" type="datetimeFigureOut">
               <a:rPr lang="ru-RU" smtClean="0"/>
-              <a:t>12.02.2021</a:t>
+              <a:t>03.02.2025</a:t>
             </a:fld>
             <a:endParaRPr lang="ru-RU"/>
           </a:p>
@@ -3294,7 +3309,7 @@
           <a:p>
             <a:fld id="{C2BCA813-D132-4243-A206-1755D7169695}" type="datetimeFigureOut">
               <a:rPr lang="ru-RU" smtClean="0"/>
-              <a:t>12.02.2021</a:t>
+              <a:t>03.02.2025</a:t>
             </a:fld>
             <a:endParaRPr lang="ru-RU"/>
           </a:p>
@@ -5500,7 +5515,7 @@
             <p:ph idx="1"/>
             <p:extLst>
               <p:ext uri="{D42A27DB-BD31-4B8C-83A1-F6EECF244321}">
-                <p14:modId xmlns:p14="http://schemas.microsoft.com/office/powerpoint/2010/main" val="3412098887"/>
+                <p14:modId xmlns:p14="http://schemas.microsoft.com/office/powerpoint/2010/main" val="2652548707"/>
               </p:ext>
             </p:extLst>
           </p:nvPr>
@@ -5515,8 +5530,8 @@
           </a:graphicData>
         </a:graphic>
       </p:graphicFrame>
-      <mc:AlternateContent xmlns:mc="http://schemas.openxmlformats.org/markup-compatibility/2006">
-        <mc:Choice xmlns:a14="http://schemas.microsoft.com/office/drawing/2010/main" Requires="a14">
+      <mc:AlternateContent xmlns:mc="http://schemas.openxmlformats.org/markup-compatibility/2006" xmlns:a14="http://schemas.microsoft.com/office/drawing/2010/main">
+        <mc:Choice Requires="a14">
           <p:sp>
             <p:nvSpPr>
               <p:cNvPr id="6" name="TextBox 5">
@@ -5563,21 +5578,7 @@
                         <a:latin typeface="Cambria Math" panose="02040503050406030204" pitchFamily="18" charset="0"/>
                         <a:ea typeface="Cambria Math" panose="02040503050406030204" pitchFamily="18" charset="0"/>
                       </a:rPr>
-                      <m:t>(0, </m:t>
-                    </m:r>
-                    <m:r>
-                      <a:rPr lang="ru-RU" b="0" i="1" smtClean="0">
-                        <a:latin typeface="Cambria Math" panose="02040503050406030204" pitchFamily="18" charset="0"/>
-                        <a:ea typeface="Cambria Math" panose="02040503050406030204" pitchFamily="18" charset="0"/>
-                      </a:rPr>
-                      <m:t> </m:t>
-                    </m:r>
-                    <m:r>
-                      <a:rPr lang="ru-RU" b="0" i="1" smtClean="0">
-                        <a:latin typeface="Cambria Math" panose="02040503050406030204" pitchFamily="18" charset="0"/>
-                        <a:ea typeface="Cambria Math" panose="02040503050406030204" pitchFamily="18" charset="0"/>
-                      </a:rPr>
-                      <m:t>7,0∙</m:t>
+                      <m:t>(0,  7,0∙</m:t>
                     </m:r>
                     <m:sSup>
                       <m:sSupPr>
@@ -5621,7 +5622,7 @@
             </p:txBody>
           </p:sp>
         </mc:Choice>
-        <mc:Fallback>
+        <mc:Fallback xmlns="">
           <p:sp>
             <p:nvSpPr>
               <p:cNvPr id="6" name="TextBox 5">
